--- a/figures/Datapath_Separate.pptx
+++ b/figures/Datapath_Separate.pptx
@@ -2973,141 +2973,6 @@
       </p:grpSpPr>
       <p:sp>
         <p:nvSpPr>
-          <p:cNvPr id="40" name="Right Arrow 39"/>
-          <p:cNvSpPr/>
-          <p:nvPr/>
-        </p:nvSpPr>
-        <p:spPr>
-          <a:xfrm>
-            <a:off x="5120802" y="2125832"/>
-            <a:ext cx="958604" cy="358253"/>
-          </a:xfrm>
-          <a:prstGeom prst="rightArrow">
-            <a:avLst/>
-          </a:prstGeom>
-          <a:ln>
-            <a:solidFill>
-              <a:schemeClr val="tx1"/>
-            </a:solidFill>
-          </a:ln>
-        </p:spPr>
-        <p:style>
-          <a:lnRef idx="2">
-            <a:schemeClr val="accent6"/>
-          </a:lnRef>
-          <a:fillRef idx="1">
-            <a:schemeClr val="lt1"/>
-          </a:fillRef>
-          <a:effectRef idx="0">
-            <a:schemeClr val="accent6"/>
-          </a:effectRef>
-          <a:fontRef idx="minor">
-            <a:schemeClr val="dk1"/>
-          </a:fontRef>
-        </p:style>
-        <p:txBody>
-          <a:bodyPr rtlCol="0" anchor="ctr"/>
-          <a:lstStyle/>
-          <a:p>
-            <a:pPr algn="ctr"/>
-            <a:endParaRPr lang="en-IN" sz="2813" dirty="0">
-              <a:cs typeface="Times New Roman" panose="02020603050405020304" pitchFamily="18" charset="0"/>
-            </a:endParaRPr>
-          </a:p>
-        </p:txBody>
-      </p:sp>
-      <p:sp>
-        <p:nvSpPr>
-          <p:cNvPr id="53" name="Right Arrow 52"/>
-          <p:cNvSpPr/>
-          <p:nvPr/>
-        </p:nvSpPr>
-        <p:spPr>
-          <a:xfrm>
-            <a:off x="4969265" y="5159890"/>
-            <a:ext cx="1233446" cy="383844"/>
-          </a:xfrm>
-          <a:prstGeom prst="rightArrow">
-            <a:avLst/>
-          </a:prstGeom>
-          <a:ln>
-            <a:solidFill>
-              <a:schemeClr val="tx1"/>
-            </a:solidFill>
-          </a:ln>
-        </p:spPr>
-        <p:style>
-          <a:lnRef idx="2">
-            <a:schemeClr val="accent6"/>
-          </a:lnRef>
-          <a:fillRef idx="1">
-            <a:schemeClr val="lt1"/>
-          </a:fillRef>
-          <a:effectRef idx="0">
-            <a:schemeClr val="accent6"/>
-          </a:effectRef>
-          <a:fontRef idx="minor">
-            <a:schemeClr val="dk1"/>
-          </a:fontRef>
-        </p:style>
-        <p:txBody>
-          <a:bodyPr rtlCol="0" anchor="ctr"/>
-          <a:lstStyle/>
-          <a:p>
-            <a:pPr algn="ctr"/>
-            <a:endParaRPr lang="en-IN" sz="2813">
-              <a:cs typeface="Times New Roman" panose="02020603050405020304" pitchFamily="18" charset="0"/>
-            </a:endParaRPr>
-          </a:p>
-        </p:txBody>
-      </p:sp>
-      <p:sp>
-        <p:nvSpPr>
-          <p:cNvPr id="41" name="Down Arrow 40"/>
-          <p:cNvSpPr/>
-          <p:nvPr/>
-        </p:nvSpPr>
-        <p:spPr>
-          <a:xfrm>
-            <a:off x="2764557" y="866811"/>
-            <a:ext cx="332664" cy="488610"/>
-          </a:xfrm>
-          <a:prstGeom prst="downArrow">
-            <a:avLst/>
-          </a:prstGeom>
-          <a:ln>
-            <a:solidFill>
-              <a:schemeClr val="tx1"/>
-            </a:solidFill>
-          </a:ln>
-        </p:spPr>
-        <p:style>
-          <a:lnRef idx="2">
-            <a:schemeClr val="accent6"/>
-          </a:lnRef>
-          <a:fillRef idx="1">
-            <a:schemeClr val="lt1"/>
-          </a:fillRef>
-          <a:effectRef idx="0">
-            <a:schemeClr val="accent6"/>
-          </a:effectRef>
-          <a:fontRef idx="minor">
-            <a:schemeClr val="dk1"/>
-          </a:fontRef>
-        </p:style>
-        <p:txBody>
-          <a:bodyPr rtlCol="0" anchor="ctr"/>
-          <a:lstStyle/>
-          <a:p>
-            <a:pPr algn="ctr"/>
-            <a:endParaRPr lang="en-IN" sz="2813" dirty="0">
-              <a:cs typeface="Times New Roman" panose="02020603050405020304" pitchFamily="18" charset="0"/>
-            </a:endParaRPr>
-          </a:p>
-        </p:txBody>
-      </p:sp>
-      <p:sp>
-        <p:nvSpPr>
           <p:cNvPr id="33" name="Rectangle 32"/>
           <p:cNvSpPr/>
           <p:nvPr/>
@@ -3175,7 +3040,7 @@
           <a:prstGeom prst="straightConnector1">
             <a:avLst/>
           </a:prstGeom>
-          <a:ln>
+          <a:ln w="12700">
             <a:solidFill>
               <a:schemeClr val="tx1"/>
             </a:solidFill>
@@ -3214,7 +3079,7 @@
           <a:prstGeom prst="straightConnector1">
             <a:avLst/>
           </a:prstGeom>
-          <a:ln>
+          <a:ln w="12700">
             <a:solidFill>
               <a:schemeClr val="tx1"/>
             </a:solidFill>
@@ -3253,7 +3118,7 @@
           <a:prstGeom prst="straightConnector1">
             <a:avLst/>
           </a:prstGeom>
-          <a:ln>
+          <a:ln w="12700">
             <a:solidFill>
               <a:schemeClr val="tx1"/>
             </a:solidFill>
@@ -3343,7 +3208,7 @@
           <a:prstGeom prst="bentConnector2">
             <a:avLst/>
           </a:prstGeom>
-          <a:ln>
+          <a:ln w="12700">
             <a:solidFill>
               <a:schemeClr val="tx1"/>
             </a:solidFill>
@@ -3543,21 +3408,21 @@
                 <a:gridCol w="1242400">
                   <a:extLst>
                     <a:ext uri="{9D8B030D-6E8A-4147-A177-3AD203B41FA5}">
-                      <a16:colId xmlns="" xmlns:a16="http://schemas.microsoft.com/office/drawing/2014/main" val="20000"/>
+                      <a16:colId xmlns:a16="http://schemas.microsoft.com/office/drawing/2014/main" xmlns="" val="20000"/>
                     </a:ext>
                   </a:extLst>
                 </a:gridCol>
                 <a:gridCol w="1148926">
                   <a:extLst>
                     <a:ext uri="{9D8B030D-6E8A-4147-A177-3AD203B41FA5}">
-                      <a16:colId xmlns="" xmlns:a16="http://schemas.microsoft.com/office/drawing/2014/main" val="20001"/>
+                      <a16:colId xmlns:a16="http://schemas.microsoft.com/office/drawing/2014/main" xmlns="" val="20001"/>
                     </a:ext>
                   </a:extLst>
                 </a:gridCol>
                 <a:gridCol w="1402505">
                   <a:extLst>
                     <a:ext uri="{9D8B030D-6E8A-4147-A177-3AD203B41FA5}">
-                      <a16:colId xmlns="" xmlns:a16="http://schemas.microsoft.com/office/drawing/2014/main" val="20002"/>
+                      <a16:colId xmlns:a16="http://schemas.microsoft.com/office/drawing/2014/main" xmlns="" val="20002"/>
                     </a:ext>
                   </a:extLst>
                 </a:gridCol>
@@ -3622,7 +3487,7 @@
                 </a:tc>
                 <a:extLst>
                   <a:ext uri="{0D108BD9-81ED-4DB2-BD59-A6C34878D82A}">
-                    <a16:rowId xmlns="" xmlns:a16="http://schemas.microsoft.com/office/drawing/2014/main" val="10000"/>
+                    <a16:rowId xmlns:a16="http://schemas.microsoft.com/office/drawing/2014/main" xmlns="" val="10000"/>
                   </a:ext>
                 </a:extLst>
               </a:tr>
@@ -3747,7 +3612,7 @@
           <a:prstGeom prst="straightConnector1">
             <a:avLst/>
           </a:prstGeom>
-          <a:ln w="19050">
+          <a:ln w="12700">
             <a:solidFill>
               <a:schemeClr val="tx1">
                 <a:lumMod val="95000"/>
@@ -3786,7 +3651,7 @@
           <a:prstGeom prst="straightConnector1">
             <a:avLst/>
           </a:prstGeom>
-          <a:ln w="19050">
+          <a:ln w="12700">
             <a:solidFill>
               <a:schemeClr val="tx1">
                 <a:lumMod val="95000"/>
@@ -3825,7 +3690,7 @@
           <a:prstGeom prst="straightConnector1">
             <a:avLst/>
           </a:prstGeom>
-          <a:ln w="19050">
+          <a:ln w="12700">
             <a:solidFill>
               <a:schemeClr val="tx1">
                 <a:lumMod val="95000"/>
@@ -3980,7 +3845,7 @@
                 <a:gridCol w="1113004">
                   <a:extLst>
                     <a:ext uri="{9D8B030D-6E8A-4147-A177-3AD203B41FA5}">
-                      <a16:colId xmlns="" xmlns:a16="http://schemas.microsoft.com/office/drawing/2014/main" val="20001"/>
+                      <a16:colId xmlns:a16="http://schemas.microsoft.com/office/drawing/2014/main" xmlns="" val="20001"/>
                     </a:ext>
                   </a:extLst>
                 </a:gridCol>
@@ -4011,7 +3876,7 @@
                 </a:tc>
                 <a:extLst>
                   <a:ext uri="{0D108BD9-81ED-4DB2-BD59-A6C34878D82A}">
-                    <a16:rowId xmlns="" xmlns:a16="http://schemas.microsoft.com/office/drawing/2014/main" val="10000"/>
+                    <a16:rowId xmlns:a16="http://schemas.microsoft.com/office/drawing/2014/main" xmlns="" val="10000"/>
                   </a:ext>
                 </a:extLst>
               </a:tr>
@@ -4048,7 +3913,7 @@
                 </a:tc>
                 <a:extLst>
                   <a:ext uri="{0D108BD9-81ED-4DB2-BD59-A6C34878D82A}">
-                    <a16:rowId xmlns="" xmlns:a16="http://schemas.microsoft.com/office/drawing/2014/main" val="10001"/>
+                    <a16:rowId xmlns:a16="http://schemas.microsoft.com/office/drawing/2014/main" xmlns="" val="10001"/>
                   </a:ext>
                 </a:extLst>
               </a:tr>
@@ -4085,7 +3950,7 @@
                 </a:tc>
                 <a:extLst>
                   <a:ext uri="{0D108BD9-81ED-4DB2-BD59-A6C34878D82A}">
-                    <a16:rowId xmlns="" xmlns:a16="http://schemas.microsoft.com/office/drawing/2014/main" val="10002"/>
+                    <a16:rowId xmlns:a16="http://schemas.microsoft.com/office/drawing/2014/main" xmlns="" val="10002"/>
                   </a:ext>
                 </a:extLst>
               </a:tr>
@@ -4139,7 +4004,7 @@
                 </a:tc>
                 <a:extLst>
                   <a:ext uri="{0D108BD9-81ED-4DB2-BD59-A6C34878D82A}">
-                    <a16:rowId xmlns="" xmlns:a16="http://schemas.microsoft.com/office/drawing/2014/main" val="10003"/>
+                    <a16:rowId xmlns:a16="http://schemas.microsoft.com/office/drawing/2014/main" xmlns="" val="10003"/>
                   </a:ext>
                 </a:extLst>
               </a:tr>
@@ -4243,7 +4108,7 @@
                 </a:tc>
                 <a:extLst>
                   <a:ext uri="{0D108BD9-81ED-4DB2-BD59-A6C34878D82A}">
-                    <a16:rowId xmlns="" xmlns:a16="http://schemas.microsoft.com/office/drawing/2014/main" val="10004"/>
+                    <a16:rowId xmlns:a16="http://schemas.microsoft.com/office/drawing/2014/main" xmlns="" val="10004"/>
                   </a:ext>
                 </a:extLst>
               </a:tr>
@@ -4279,7 +4144,7 @@
                 <a:gridCol w="1128850">
                   <a:extLst>
                     <a:ext uri="{9D8B030D-6E8A-4147-A177-3AD203B41FA5}">
-                      <a16:colId xmlns="" xmlns:a16="http://schemas.microsoft.com/office/drawing/2014/main" val="20001"/>
+                      <a16:colId xmlns:a16="http://schemas.microsoft.com/office/drawing/2014/main" xmlns="" val="20001"/>
                     </a:ext>
                   </a:extLst>
                 </a:gridCol>
@@ -4310,7 +4175,7 @@
                 </a:tc>
                 <a:extLst>
                   <a:ext uri="{0D108BD9-81ED-4DB2-BD59-A6C34878D82A}">
-                    <a16:rowId xmlns="" xmlns:a16="http://schemas.microsoft.com/office/drawing/2014/main" val="10000"/>
+                    <a16:rowId xmlns:a16="http://schemas.microsoft.com/office/drawing/2014/main" xmlns="" val="10000"/>
                   </a:ext>
                 </a:extLst>
               </a:tr>
@@ -4347,7 +4212,7 @@
                 </a:tc>
                 <a:extLst>
                   <a:ext uri="{0D108BD9-81ED-4DB2-BD59-A6C34878D82A}">
-                    <a16:rowId xmlns="" xmlns:a16="http://schemas.microsoft.com/office/drawing/2014/main" val="10001"/>
+                    <a16:rowId xmlns:a16="http://schemas.microsoft.com/office/drawing/2014/main" xmlns="" val="10001"/>
                   </a:ext>
                 </a:extLst>
               </a:tr>
@@ -4384,7 +4249,7 @@
                 </a:tc>
                 <a:extLst>
                   <a:ext uri="{0D108BD9-81ED-4DB2-BD59-A6C34878D82A}">
-                    <a16:rowId xmlns="" xmlns:a16="http://schemas.microsoft.com/office/drawing/2014/main" val="10002"/>
+                    <a16:rowId xmlns:a16="http://schemas.microsoft.com/office/drawing/2014/main" xmlns="" val="10002"/>
                   </a:ext>
                 </a:extLst>
               </a:tr>
@@ -4407,7 +4272,7 @@
                 </a:tc>
                 <a:extLst>
                   <a:ext uri="{0D108BD9-81ED-4DB2-BD59-A6C34878D82A}">
-                    <a16:rowId xmlns="" xmlns:a16="http://schemas.microsoft.com/office/drawing/2014/main" val="10003"/>
+                    <a16:rowId xmlns:a16="http://schemas.microsoft.com/office/drawing/2014/main" xmlns="" val="10003"/>
                   </a:ext>
                 </a:extLst>
               </a:tr>
@@ -4444,7 +4309,7 @@
                 </a:tc>
                 <a:extLst>
                   <a:ext uri="{0D108BD9-81ED-4DB2-BD59-A6C34878D82A}">
-                    <a16:rowId xmlns="" xmlns:a16="http://schemas.microsoft.com/office/drawing/2014/main" val="10004"/>
+                    <a16:rowId xmlns:a16="http://schemas.microsoft.com/office/drawing/2014/main" xmlns="" val="10004"/>
                   </a:ext>
                 </a:extLst>
               </a:tr>
@@ -4480,7 +4345,7 @@
                 <a:gridCol w="1127895">
                   <a:extLst>
                     <a:ext uri="{9D8B030D-6E8A-4147-A177-3AD203B41FA5}">
-                      <a16:colId xmlns="" xmlns:a16="http://schemas.microsoft.com/office/drawing/2014/main" val="20001"/>
+                      <a16:colId xmlns:a16="http://schemas.microsoft.com/office/drawing/2014/main" xmlns="" val="20001"/>
                     </a:ext>
                   </a:extLst>
                 </a:gridCol>
@@ -4511,7 +4376,7 @@
                 </a:tc>
                 <a:extLst>
                   <a:ext uri="{0D108BD9-81ED-4DB2-BD59-A6C34878D82A}">
-                    <a16:rowId xmlns="" xmlns:a16="http://schemas.microsoft.com/office/drawing/2014/main" val="10000"/>
+                    <a16:rowId xmlns:a16="http://schemas.microsoft.com/office/drawing/2014/main" xmlns="" val="10000"/>
                   </a:ext>
                 </a:extLst>
               </a:tr>
@@ -4548,7 +4413,7 @@
                 </a:tc>
                 <a:extLst>
                   <a:ext uri="{0D108BD9-81ED-4DB2-BD59-A6C34878D82A}">
-                    <a16:rowId xmlns="" xmlns:a16="http://schemas.microsoft.com/office/drawing/2014/main" val="10001"/>
+                    <a16:rowId xmlns:a16="http://schemas.microsoft.com/office/drawing/2014/main" xmlns="" val="10001"/>
                   </a:ext>
                 </a:extLst>
               </a:tr>
@@ -4585,7 +4450,7 @@
                 </a:tc>
                 <a:extLst>
                   <a:ext uri="{0D108BD9-81ED-4DB2-BD59-A6C34878D82A}">
-                    <a16:rowId xmlns="" xmlns:a16="http://schemas.microsoft.com/office/drawing/2014/main" val="10002"/>
+                    <a16:rowId xmlns:a16="http://schemas.microsoft.com/office/drawing/2014/main" xmlns="" val="10002"/>
                   </a:ext>
                 </a:extLst>
               </a:tr>
@@ -4639,7 +4504,7 @@
                 </a:tc>
                 <a:extLst>
                   <a:ext uri="{0D108BD9-81ED-4DB2-BD59-A6C34878D82A}">
-                    <a16:rowId xmlns="" xmlns:a16="http://schemas.microsoft.com/office/drawing/2014/main" val="10003"/>
+                    <a16:rowId xmlns:a16="http://schemas.microsoft.com/office/drawing/2014/main" xmlns="" val="10003"/>
                   </a:ext>
                 </a:extLst>
               </a:tr>
@@ -4694,7 +4559,7 @@
                 </a:tc>
                 <a:extLst>
                   <a:ext uri="{0D108BD9-81ED-4DB2-BD59-A6C34878D82A}">
-                    <a16:rowId xmlns="" xmlns:a16="http://schemas.microsoft.com/office/drawing/2014/main" val="10004"/>
+                    <a16:rowId xmlns:a16="http://schemas.microsoft.com/office/drawing/2014/main" xmlns="" val="10004"/>
                   </a:ext>
                 </a:extLst>
               </a:tr>
@@ -4702,186 +4567,6 @@
           </a:graphicData>
         </a:graphic>
       </p:graphicFrame>
-      <p:sp>
-        <p:nvSpPr>
-          <p:cNvPr id="25" name="Up Arrow 24"/>
-          <p:cNvSpPr/>
-          <p:nvPr/>
-        </p:nvSpPr>
-        <p:spPr>
-          <a:xfrm>
-            <a:off x="7948822" y="11174733"/>
-            <a:ext cx="371046" cy="660985"/>
-          </a:xfrm>
-          <a:prstGeom prst="upArrow">
-            <a:avLst/>
-          </a:prstGeom>
-          <a:ln>
-            <a:solidFill>
-              <a:schemeClr val="tx1"/>
-            </a:solidFill>
-          </a:ln>
-        </p:spPr>
-        <p:style>
-          <a:lnRef idx="2">
-            <a:schemeClr val="accent6"/>
-          </a:lnRef>
-          <a:fillRef idx="1">
-            <a:schemeClr val="lt1"/>
-          </a:fillRef>
-          <a:effectRef idx="0">
-            <a:schemeClr val="accent6"/>
-          </a:effectRef>
-          <a:fontRef idx="minor">
-            <a:schemeClr val="dk1"/>
-          </a:fontRef>
-        </p:style>
-        <p:txBody>
-          <a:bodyPr rtlCol="0" anchor="ctr"/>
-          <a:lstStyle/>
-          <a:p>
-            <a:pPr algn="ctr"/>
-            <a:endParaRPr lang="en-IN" sz="2813">
-              <a:cs typeface="Times New Roman" panose="02020603050405020304" pitchFamily="18" charset="0"/>
-            </a:endParaRPr>
-          </a:p>
-        </p:txBody>
-      </p:sp>
-      <p:sp>
-        <p:nvSpPr>
-          <p:cNvPr id="26" name="Up Arrow 25"/>
-          <p:cNvSpPr/>
-          <p:nvPr/>
-        </p:nvSpPr>
-        <p:spPr>
-          <a:xfrm>
-            <a:off x="7949721" y="8799476"/>
-            <a:ext cx="413695" cy="1560465"/>
-          </a:xfrm>
-          <a:prstGeom prst="upArrow">
-            <a:avLst/>
-          </a:prstGeom>
-          <a:ln>
-            <a:solidFill>
-              <a:schemeClr val="tx1"/>
-            </a:solidFill>
-          </a:ln>
-        </p:spPr>
-        <p:style>
-          <a:lnRef idx="2">
-            <a:schemeClr val="accent6"/>
-          </a:lnRef>
-          <a:fillRef idx="1">
-            <a:schemeClr val="lt1"/>
-          </a:fillRef>
-          <a:effectRef idx="0">
-            <a:schemeClr val="accent6"/>
-          </a:effectRef>
-          <a:fontRef idx="minor">
-            <a:schemeClr val="dk1"/>
-          </a:fontRef>
-        </p:style>
-        <p:txBody>
-          <a:bodyPr rtlCol="0" anchor="ctr"/>
-          <a:lstStyle/>
-          <a:p>
-            <a:pPr algn="ctr"/>
-            <a:endParaRPr lang="en-IN" sz="2813">
-              <a:cs typeface="Times New Roman" panose="02020603050405020304" pitchFamily="18" charset="0"/>
-            </a:endParaRPr>
-          </a:p>
-        </p:txBody>
-      </p:sp>
-      <p:sp>
-        <p:nvSpPr>
-          <p:cNvPr id="27" name="Left Arrow 26"/>
-          <p:cNvSpPr/>
-          <p:nvPr/>
-        </p:nvSpPr>
-        <p:spPr>
-          <a:xfrm>
-            <a:off x="4586768" y="7829898"/>
-            <a:ext cx="1425412" cy="383843"/>
-          </a:xfrm>
-          <a:prstGeom prst="leftArrow">
-            <a:avLst/>
-          </a:prstGeom>
-          <a:ln>
-            <a:solidFill>
-              <a:schemeClr val="tx1"/>
-            </a:solidFill>
-          </a:ln>
-        </p:spPr>
-        <p:style>
-          <a:lnRef idx="2">
-            <a:schemeClr val="accent6"/>
-          </a:lnRef>
-          <a:fillRef idx="1">
-            <a:schemeClr val="lt1"/>
-          </a:fillRef>
-          <a:effectRef idx="0">
-            <a:schemeClr val="accent6"/>
-          </a:effectRef>
-          <a:fontRef idx="minor">
-            <a:schemeClr val="dk1"/>
-          </a:fontRef>
-        </p:style>
-        <p:txBody>
-          <a:bodyPr rtlCol="0" anchor="ctr"/>
-          <a:lstStyle/>
-          <a:p>
-            <a:pPr algn="ctr"/>
-            <a:endParaRPr lang="en-IN" sz="2813" dirty="0">
-              <a:cs typeface="Times New Roman" panose="02020603050405020304" pitchFamily="18" charset="0"/>
-            </a:endParaRPr>
-          </a:p>
-        </p:txBody>
-      </p:sp>
-      <p:sp>
-        <p:nvSpPr>
-          <p:cNvPr id="28" name="Down Arrow 27"/>
-          <p:cNvSpPr/>
-          <p:nvPr/>
-        </p:nvSpPr>
-        <p:spPr>
-          <a:xfrm>
-            <a:off x="2820317" y="8249030"/>
-            <a:ext cx="332664" cy="958667"/>
-          </a:xfrm>
-          <a:prstGeom prst="downArrow">
-            <a:avLst/>
-          </a:prstGeom>
-          <a:ln>
-            <a:solidFill>
-              <a:schemeClr val="tx1"/>
-            </a:solidFill>
-          </a:ln>
-        </p:spPr>
-        <p:style>
-          <a:lnRef idx="2">
-            <a:schemeClr val="accent6"/>
-          </a:lnRef>
-          <a:fillRef idx="1">
-            <a:schemeClr val="lt1"/>
-          </a:fillRef>
-          <a:effectRef idx="0">
-            <a:schemeClr val="accent6"/>
-          </a:effectRef>
-          <a:fontRef idx="minor">
-            <a:schemeClr val="dk1"/>
-          </a:fontRef>
-        </p:style>
-        <p:txBody>
-          <a:bodyPr rtlCol="0" anchor="ctr"/>
-          <a:lstStyle/>
-          <a:p>
-            <a:pPr algn="ctr"/>
-            <a:endParaRPr lang="en-IN" sz="2813" dirty="0">
-              <a:cs typeface="Times New Roman" panose="02020603050405020304" pitchFamily="18" charset="0"/>
-            </a:endParaRPr>
-          </a:p>
-        </p:txBody>
-      </p:sp>
       <p:sp>
         <p:nvSpPr>
           <p:cNvPr id="29" name="Rectangle 28"/>
@@ -5064,9 +4749,7 @@
       <p:cxnSp>
         <p:nvCxnSpPr>
           <p:cNvPr id="48" name="Straight Arrow Connector 47"/>
-          <p:cNvCxnSpPr>
-            <a:stCxn id="28" idx="2"/>
-          </p:cNvCxnSpPr>
+          <p:cNvCxnSpPr/>
           <p:nvPr/>
         </p:nvCxnSpPr>
         <p:spPr>
@@ -5077,12 +4760,9 @@
           <a:prstGeom prst="straightConnector1">
             <a:avLst/>
           </a:prstGeom>
-          <a:ln w="19050">
+          <a:ln w="12700">
             <a:solidFill>
-              <a:schemeClr val="tx1">
-                <a:lumMod val="95000"/>
-                <a:lumOff val="5000"/>
-              </a:schemeClr>
+              <a:schemeClr val="tx1"/>
             </a:solidFill>
             <a:tailEnd type="triangle"/>
           </a:ln>
@@ -5116,12 +4796,9 @@
           <a:prstGeom prst="straightConnector1">
             <a:avLst/>
           </a:prstGeom>
-          <a:ln w="19050">
+          <a:ln w="12700">
             <a:solidFill>
-              <a:schemeClr val="tx1">
-                <a:lumMod val="95000"/>
-                <a:lumOff val="5000"/>
-              </a:schemeClr>
+              <a:schemeClr val="tx1"/>
             </a:solidFill>
             <a:tailEnd type="triangle"/>
           </a:ln>
@@ -5155,12 +4832,9 @@
           <a:prstGeom prst="straightConnector1">
             <a:avLst/>
           </a:prstGeom>
-          <a:ln w="19050">
+          <a:ln w="12700">
             <a:solidFill>
-              <a:schemeClr val="tx1">
-                <a:lumMod val="95000"/>
-                <a:lumOff val="5000"/>
-              </a:schemeClr>
+              <a:schemeClr val="tx1"/>
             </a:solidFill>
             <a:tailEnd type="triangle"/>
           </a:ln>
@@ -5239,7 +4913,7 @@
                 <a:gridCol w="1098149">
                   <a:extLst>
                     <a:ext uri="{9D8B030D-6E8A-4147-A177-3AD203B41FA5}">
-                      <a16:colId xmlns="" xmlns:a16="http://schemas.microsoft.com/office/drawing/2014/main" val="20001"/>
+                      <a16:colId xmlns:a16="http://schemas.microsoft.com/office/drawing/2014/main" xmlns="" val="20001"/>
                     </a:ext>
                   </a:extLst>
                 </a:gridCol>
@@ -5270,7 +4944,7 @@
                 </a:tc>
                 <a:extLst>
                   <a:ext uri="{0D108BD9-81ED-4DB2-BD59-A6C34878D82A}">
-                    <a16:rowId xmlns="" xmlns:a16="http://schemas.microsoft.com/office/drawing/2014/main" val="10000"/>
+                    <a16:rowId xmlns:a16="http://schemas.microsoft.com/office/drawing/2014/main" xmlns="" val="10000"/>
                   </a:ext>
                 </a:extLst>
               </a:tr>
@@ -5307,7 +4981,7 @@
                 </a:tc>
                 <a:extLst>
                   <a:ext uri="{0D108BD9-81ED-4DB2-BD59-A6C34878D82A}">
-                    <a16:rowId xmlns="" xmlns:a16="http://schemas.microsoft.com/office/drawing/2014/main" val="10001"/>
+                    <a16:rowId xmlns:a16="http://schemas.microsoft.com/office/drawing/2014/main" xmlns="" val="10001"/>
                   </a:ext>
                 </a:extLst>
               </a:tr>
@@ -5344,7 +5018,7 @@
                 </a:tc>
                 <a:extLst>
                   <a:ext uri="{0D108BD9-81ED-4DB2-BD59-A6C34878D82A}">
-                    <a16:rowId xmlns="" xmlns:a16="http://schemas.microsoft.com/office/drawing/2014/main" val="10002"/>
+                    <a16:rowId xmlns:a16="http://schemas.microsoft.com/office/drawing/2014/main" xmlns="" val="10002"/>
                   </a:ext>
                 </a:extLst>
               </a:tr>
@@ -5398,7 +5072,7 @@
                 </a:tc>
                 <a:extLst>
                   <a:ext uri="{0D108BD9-81ED-4DB2-BD59-A6C34878D82A}">
-                    <a16:rowId xmlns="" xmlns:a16="http://schemas.microsoft.com/office/drawing/2014/main" val="10003"/>
+                    <a16:rowId xmlns:a16="http://schemas.microsoft.com/office/drawing/2014/main" xmlns="" val="10003"/>
                   </a:ext>
                 </a:extLst>
               </a:tr>
@@ -5502,7 +5176,7 @@
                 </a:tc>
                 <a:extLst>
                   <a:ext uri="{0D108BD9-81ED-4DB2-BD59-A6C34878D82A}">
-                    <a16:rowId xmlns="" xmlns:a16="http://schemas.microsoft.com/office/drawing/2014/main" val="10004"/>
+                    <a16:rowId xmlns:a16="http://schemas.microsoft.com/office/drawing/2014/main" xmlns="" val="10004"/>
                   </a:ext>
                 </a:extLst>
               </a:tr>
@@ -5538,7 +5212,7 @@
                 <a:gridCol w="1060293">
                   <a:extLst>
                     <a:ext uri="{9D8B030D-6E8A-4147-A177-3AD203B41FA5}">
-                      <a16:colId xmlns="" xmlns:a16="http://schemas.microsoft.com/office/drawing/2014/main" val="20001"/>
+                      <a16:colId xmlns:a16="http://schemas.microsoft.com/office/drawing/2014/main" xmlns="" val="20001"/>
                     </a:ext>
                   </a:extLst>
                 </a:gridCol>
@@ -5569,7 +5243,7 @@
                 </a:tc>
                 <a:extLst>
                   <a:ext uri="{0D108BD9-81ED-4DB2-BD59-A6C34878D82A}">
-                    <a16:rowId xmlns="" xmlns:a16="http://schemas.microsoft.com/office/drawing/2014/main" val="10000"/>
+                    <a16:rowId xmlns:a16="http://schemas.microsoft.com/office/drawing/2014/main" xmlns="" val="10000"/>
                   </a:ext>
                 </a:extLst>
               </a:tr>
@@ -5606,7 +5280,7 @@
                 </a:tc>
                 <a:extLst>
                   <a:ext uri="{0D108BD9-81ED-4DB2-BD59-A6C34878D82A}">
-                    <a16:rowId xmlns="" xmlns:a16="http://schemas.microsoft.com/office/drawing/2014/main" val="10001"/>
+                    <a16:rowId xmlns:a16="http://schemas.microsoft.com/office/drawing/2014/main" xmlns="" val="10001"/>
                   </a:ext>
                 </a:extLst>
               </a:tr>
@@ -5643,7 +5317,7 @@
                 </a:tc>
                 <a:extLst>
                   <a:ext uri="{0D108BD9-81ED-4DB2-BD59-A6C34878D82A}">
-                    <a16:rowId xmlns="" xmlns:a16="http://schemas.microsoft.com/office/drawing/2014/main" val="10002"/>
+                    <a16:rowId xmlns:a16="http://schemas.microsoft.com/office/drawing/2014/main" xmlns="" val="10002"/>
                   </a:ext>
                 </a:extLst>
               </a:tr>
@@ -5666,7 +5340,7 @@
                 </a:tc>
                 <a:extLst>
                   <a:ext uri="{0D108BD9-81ED-4DB2-BD59-A6C34878D82A}">
-                    <a16:rowId xmlns="" xmlns:a16="http://schemas.microsoft.com/office/drawing/2014/main" val="10003"/>
+                    <a16:rowId xmlns:a16="http://schemas.microsoft.com/office/drawing/2014/main" xmlns="" val="10003"/>
                   </a:ext>
                 </a:extLst>
               </a:tr>
@@ -5703,7 +5377,7 @@
                 </a:tc>
                 <a:extLst>
                   <a:ext uri="{0D108BD9-81ED-4DB2-BD59-A6C34878D82A}">
-                    <a16:rowId xmlns="" xmlns:a16="http://schemas.microsoft.com/office/drawing/2014/main" val="10004"/>
+                    <a16:rowId xmlns:a16="http://schemas.microsoft.com/office/drawing/2014/main" xmlns="" val="10004"/>
                   </a:ext>
                 </a:extLst>
               </a:tr>
@@ -5739,7 +5413,7 @@
                 <a:gridCol w="1158194">
                   <a:extLst>
                     <a:ext uri="{9D8B030D-6E8A-4147-A177-3AD203B41FA5}">
-                      <a16:colId xmlns="" xmlns:a16="http://schemas.microsoft.com/office/drawing/2014/main" val="20001"/>
+                      <a16:colId xmlns:a16="http://schemas.microsoft.com/office/drawing/2014/main" xmlns="" val="20001"/>
                     </a:ext>
                   </a:extLst>
                 </a:gridCol>
@@ -5770,7 +5444,7 @@
                 </a:tc>
                 <a:extLst>
                   <a:ext uri="{0D108BD9-81ED-4DB2-BD59-A6C34878D82A}">
-                    <a16:rowId xmlns="" xmlns:a16="http://schemas.microsoft.com/office/drawing/2014/main" val="10000"/>
+                    <a16:rowId xmlns:a16="http://schemas.microsoft.com/office/drawing/2014/main" xmlns="" val="10000"/>
                   </a:ext>
                 </a:extLst>
               </a:tr>
@@ -5807,7 +5481,7 @@
                 </a:tc>
                 <a:extLst>
                   <a:ext uri="{0D108BD9-81ED-4DB2-BD59-A6C34878D82A}">
-                    <a16:rowId xmlns="" xmlns:a16="http://schemas.microsoft.com/office/drawing/2014/main" val="10001"/>
+                    <a16:rowId xmlns:a16="http://schemas.microsoft.com/office/drawing/2014/main" xmlns="" val="10001"/>
                   </a:ext>
                 </a:extLst>
               </a:tr>
@@ -5844,7 +5518,7 @@
                 </a:tc>
                 <a:extLst>
                   <a:ext uri="{0D108BD9-81ED-4DB2-BD59-A6C34878D82A}">
-                    <a16:rowId xmlns="" xmlns:a16="http://schemas.microsoft.com/office/drawing/2014/main" val="10002"/>
+                    <a16:rowId xmlns:a16="http://schemas.microsoft.com/office/drawing/2014/main" xmlns="" val="10002"/>
                   </a:ext>
                 </a:extLst>
               </a:tr>
@@ -5898,7 +5572,7 @@
                 </a:tc>
                 <a:extLst>
                   <a:ext uri="{0D108BD9-81ED-4DB2-BD59-A6C34878D82A}">
-                    <a16:rowId xmlns="" xmlns:a16="http://schemas.microsoft.com/office/drawing/2014/main" val="10003"/>
+                    <a16:rowId xmlns:a16="http://schemas.microsoft.com/office/drawing/2014/main" xmlns="" val="10003"/>
                   </a:ext>
                 </a:extLst>
               </a:tr>
@@ -5953,7 +5627,7 @@
                 </a:tc>
                 <a:extLst>
                   <a:ext uri="{0D108BD9-81ED-4DB2-BD59-A6C34878D82A}">
-                    <a16:rowId xmlns="" xmlns:a16="http://schemas.microsoft.com/office/drawing/2014/main" val="10004"/>
+                    <a16:rowId xmlns:a16="http://schemas.microsoft.com/office/drawing/2014/main" xmlns="" val="10004"/>
                   </a:ext>
                 </a:extLst>
               </a:tr>
@@ -6115,21 +5789,21 @@
                 <a:gridCol w="1242400">
                   <a:extLst>
                     <a:ext uri="{9D8B030D-6E8A-4147-A177-3AD203B41FA5}">
-                      <a16:colId xmlns="" xmlns:a16="http://schemas.microsoft.com/office/drawing/2014/main" val="20000"/>
+                      <a16:colId xmlns:a16="http://schemas.microsoft.com/office/drawing/2014/main" xmlns="" val="20000"/>
                     </a:ext>
                   </a:extLst>
                 </a:gridCol>
                 <a:gridCol w="1148926">
                   <a:extLst>
                     <a:ext uri="{9D8B030D-6E8A-4147-A177-3AD203B41FA5}">
-                      <a16:colId xmlns="" xmlns:a16="http://schemas.microsoft.com/office/drawing/2014/main" val="20001"/>
+                      <a16:colId xmlns:a16="http://schemas.microsoft.com/office/drawing/2014/main" xmlns="" val="20001"/>
                     </a:ext>
                   </a:extLst>
                 </a:gridCol>
                 <a:gridCol w="1402505">
                   <a:extLst>
                     <a:ext uri="{9D8B030D-6E8A-4147-A177-3AD203B41FA5}">
-                      <a16:colId xmlns="" xmlns:a16="http://schemas.microsoft.com/office/drawing/2014/main" val="20002"/>
+                      <a16:colId xmlns:a16="http://schemas.microsoft.com/office/drawing/2014/main" xmlns="" val="20002"/>
                     </a:ext>
                   </a:extLst>
                 </a:gridCol>
@@ -6194,7 +5868,7 @@
                 </a:tc>
                 <a:extLst>
                   <a:ext uri="{0D108BD9-81ED-4DB2-BD59-A6C34878D82A}">
-                    <a16:rowId xmlns="" xmlns:a16="http://schemas.microsoft.com/office/drawing/2014/main" val="10000"/>
+                    <a16:rowId xmlns:a16="http://schemas.microsoft.com/office/drawing/2014/main" xmlns="" val="10000"/>
                   </a:ext>
                 </a:extLst>
               </a:tr>
@@ -6302,6 +5976,258 @@
           </a:graphicData>
         </a:graphic>
       </p:graphicFrame>
+      <p:cxnSp>
+        <p:nvCxnSpPr>
+          <p:cNvPr id="4" name="Straight Arrow Connector 3"/>
+          <p:cNvCxnSpPr/>
+          <p:nvPr/>
+        </p:nvCxnSpPr>
+        <p:spPr>
+          <a:xfrm>
+            <a:off x="2927031" y="861358"/>
+            <a:ext cx="0" cy="500778"/>
+          </a:xfrm>
+          <a:prstGeom prst="straightConnector1">
+            <a:avLst/>
+          </a:prstGeom>
+          <a:ln w="38100">
+            <a:solidFill>
+              <a:schemeClr val="tx1"/>
+            </a:solidFill>
+            <a:tailEnd type="triangle"/>
+          </a:ln>
+        </p:spPr>
+        <p:style>
+          <a:lnRef idx="1">
+            <a:schemeClr val="accent1"/>
+          </a:lnRef>
+          <a:fillRef idx="0">
+            <a:schemeClr val="accent1"/>
+          </a:fillRef>
+          <a:effectRef idx="0">
+            <a:schemeClr val="accent1"/>
+          </a:effectRef>
+          <a:fontRef idx="minor">
+            <a:schemeClr val="tx1"/>
+          </a:fontRef>
+        </p:style>
+      </p:cxnSp>
+      <p:cxnSp>
+        <p:nvCxnSpPr>
+          <p:cNvPr id="9" name="Straight Arrow Connector 8"/>
+          <p:cNvCxnSpPr/>
+          <p:nvPr/>
+        </p:nvCxnSpPr>
+        <p:spPr>
+          <a:xfrm>
+            <a:off x="5120802" y="5354111"/>
+            <a:ext cx="1081910" cy="0"/>
+          </a:xfrm>
+          <a:prstGeom prst="straightConnector1">
+            <a:avLst/>
+          </a:prstGeom>
+          <a:ln w="38100">
+            <a:solidFill>
+              <a:schemeClr val="tx1"/>
+            </a:solidFill>
+            <a:tailEnd type="triangle"/>
+          </a:ln>
+        </p:spPr>
+        <p:style>
+          <a:lnRef idx="1">
+            <a:schemeClr val="accent1"/>
+          </a:lnRef>
+          <a:fillRef idx="0">
+            <a:schemeClr val="accent1"/>
+          </a:fillRef>
+          <a:effectRef idx="0">
+            <a:schemeClr val="accent1"/>
+          </a:effectRef>
+          <a:fontRef idx="minor">
+            <a:schemeClr val="tx1"/>
+          </a:fontRef>
+        </p:style>
+      </p:cxnSp>
+      <p:cxnSp>
+        <p:nvCxnSpPr>
+          <p:cNvPr id="11" name="Straight Arrow Connector 10"/>
+          <p:cNvCxnSpPr/>
+          <p:nvPr/>
+        </p:nvCxnSpPr>
+        <p:spPr>
+          <a:xfrm>
+            <a:off x="2982786" y="8355891"/>
+            <a:ext cx="0" cy="851806"/>
+          </a:xfrm>
+          <a:prstGeom prst="straightConnector1">
+            <a:avLst/>
+          </a:prstGeom>
+          <a:ln w="38100">
+            <a:solidFill>
+              <a:schemeClr val="tx1"/>
+            </a:solidFill>
+            <a:tailEnd type="triangle"/>
+          </a:ln>
+        </p:spPr>
+        <p:style>
+          <a:lnRef idx="1">
+            <a:schemeClr val="accent1"/>
+          </a:lnRef>
+          <a:fillRef idx="0">
+            <a:schemeClr val="accent1"/>
+          </a:fillRef>
+          <a:effectRef idx="0">
+            <a:schemeClr val="accent1"/>
+          </a:effectRef>
+          <a:fontRef idx="minor">
+            <a:schemeClr val="tx1"/>
+          </a:fontRef>
+        </p:style>
+      </p:cxnSp>
+      <p:cxnSp>
+        <p:nvCxnSpPr>
+          <p:cNvPr id="13" name="Straight Arrow Connector 12"/>
+          <p:cNvCxnSpPr/>
+          <p:nvPr/>
+        </p:nvCxnSpPr>
+        <p:spPr>
+          <a:xfrm flipV="1">
+            <a:off x="8105901" y="11170905"/>
+            <a:ext cx="4374" cy="664812"/>
+          </a:xfrm>
+          <a:prstGeom prst="straightConnector1">
+            <a:avLst/>
+          </a:prstGeom>
+          <a:ln w="38100">
+            <a:solidFill>
+              <a:schemeClr val="tx1"/>
+            </a:solidFill>
+            <a:tailEnd type="triangle"/>
+          </a:ln>
+        </p:spPr>
+        <p:style>
+          <a:lnRef idx="1">
+            <a:schemeClr val="accent1"/>
+          </a:lnRef>
+          <a:fillRef idx="0">
+            <a:schemeClr val="accent1"/>
+          </a:fillRef>
+          <a:effectRef idx="0">
+            <a:schemeClr val="accent1"/>
+          </a:effectRef>
+          <a:fontRef idx="minor">
+            <a:schemeClr val="tx1"/>
+          </a:fontRef>
+        </p:style>
+      </p:cxnSp>
+      <p:cxnSp>
+        <p:nvCxnSpPr>
+          <p:cNvPr id="15" name="Straight Arrow Connector 14"/>
+          <p:cNvCxnSpPr/>
+          <p:nvPr/>
+        </p:nvCxnSpPr>
+        <p:spPr>
+          <a:xfrm flipH="1" flipV="1">
+            <a:off x="8089900" y="8840102"/>
+            <a:ext cx="7679" cy="1519840"/>
+          </a:xfrm>
+          <a:prstGeom prst="straightConnector1">
+            <a:avLst/>
+          </a:prstGeom>
+          <a:ln w="38100">
+            <a:solidFill>
+              <a:schemeClr val="tx1"/>
+            </a:solidFill>
+            <a:tailEnd type="triangle"/>
+          </a:ln>
+        </p:spPr>
+        <p:style>
+          <a:lnRef idx="1">
+            <a:schemeClr val="accent1"/>
+          </a:lnRef>
+          <a:fillRef idx="0">
+            <a:schemeClr val="accent1"/>
+          </a:fillRef>
+          <a:effectRef idx="0">
+            <a:schemeClr val="accent1"/>
+          </a:effectRef>
+          <a:fontRef idx="minor">
+            <a:schemeClr val="tx1"/>
+          </a:fontRef>
+        </p:style>
+      </p:cxnSp>
+      <p:cxnSp>
+        <p:nvCxnSpPr>
+          <p:cNvPr id="52" name="Straight Arrow Connector 51"/>
+          <p:cNvCxnSpPr/>
+          <p:nvPr/>
+        </p:nvCxnSpPr>
+        <p:spPr>
+          <a:xfrm flipH="1">
+            <a:off x="4581526" y="8005763"/>
+            <a:ext cx="1428750" cy="0"/>
+          </a:xfrm>
+          <a:prstGeom prst="straightConnector1">
+            <a:avLst/>
+          </a:prstGeom>
+          <a:ln w="38100">
+            <a:solidFill>
+              <a:schemeClr val="tx1"/>
+            </a:solidFill>
+            <a:tailEnd type="triangle"/>
+          </a:ln>
+        </p:spPr>
+        <p:style>
+          <a:lnRef idx="1">
+            <a:schemeClr val="accent1"/>
+          </a:lnRef>
+          <a:fillRef idx="0">
+            <a:schemeClr val="accent1"/>
+          </a:fillRef>
+          <a:effectRef idx="0">
+            <a:schemeClr val="accent1"/>
+          </a:effectRef>
+          <a:fontRef idx="minor">
+            <a:schemeClr val="tx1"/>
+          </a:fontRef>
+        </p:style>
+      </p:cxnSp>
+      <p:cxnSp>
+        <p:nvCxnSpPr>
+          <p:cNvPr id="71" name="Straight Arrow Connector 70"/>
+          <p:cNvCxnSpPr/>
+          <p:nvPr/>
+        </p:nvCxnSpPr>
+        <p:spPr>
+          <a:xfrm flipV="1">
+            <a:off x="5120802" y="2400300"/>
+            <a:ext cx="990438" cy="6813"/>
+          </a:xfrm>
+          <a:prstGeom prst="straightConnector1">
+            <a:avLst/>
+          </a:prstGeom>
+          <a:ln w="38100">
+            <a:solidFill>
+              <a:schemeClr val="tx1"/>
+            </a:solidFill>
+            <a:tailEnd type="triangle"/>
+          </a:ln>
+        </p:spPr>
+        <p:style>
+          <a:lnRef idx="1">
+            <a:schemeClr val="accent1"/>
+          </a:lnRef>
+          <a:fillRef idx="0">
+            <a:schemeClr val="accent1"/>
+          </a:fillRef>
+          <a:effectRef idx="0">
+            <a:schemeClr val="accent1"/>
+          </a:effectRef>
+          <a:fontRef idx="minor">
+            <a:schemeClr val="tx1"/>
+          </a:fontRef>
+        </p:style>
+      </p:cxnSp>
     </p:spTree>
     <p:extLst>
       <p:ext uri="{BB962C8B-B14F-4D97-AF65-F5344CB8AC3E}">

--- a/figures/Datapath_Separate.pptx
+++ b/figures/Datapath_Separate.pptx
@@ -243,7 +243,7 @@
           <a:p>
             <a:fld id="{52B8D9F6-4451-40AE-B207-4B50218968CE}" type="datetimeFigureOut">
               <a:rPr lang="en-IN" smtClean="0"/>
-              <a:t>06-12-2018</a:t>
+              <a:t>30-03-2019</a:t>
             </a:fld>
             <a:endParaRPr lang="en-IN"/>
           </a:p>
@@ -413,7 +413,7 @@
           <a:p>
             <a:fld id="{52B8D9F6-4451-40AE-B207-4B50218968CE}" type="datetimeFigureOut">
               <a:rPr lang="en-IN" smtClean="0"/>
-              <a:t>06-12-2018</a:t>
+              <a:t>30-03-2019</a:t>
             </a:fld>
             <a:endParaRPr lang="en-IN"/>
           </a:p>
@@ -593,7 +593,7 @@
           <a:p>
             <a:fld id="{52B8D9F6-4451-40AE-B207-4B50218968CE}" type="datetimeFigureOut">
               <a:rPr lang="en-IN" smtClean="0"/>
-              <a:t>06-12-2018</a:t>
+              <a:t>30-03-2019</a:t>
             </a:fld>
             <a:endParaRPr lang="en-IN"/>
           </a:p>
@@ -763,7 +763,7 @@
           <a:p>
             <a:fld id="{52B8D9F6-4451-40AE-B207-4B50218968CE}" type="datetimeFigureOut">
               <a:rPr lang="en-IN" smtClean="0"/>
-              <a:t>06-12-2018</a:t>
+              <a:t>30-03-2019</a:t>
             </a:fld>
             <a:endParaRPr lang="en-IN"/>
           </a:p>
@@ -1007,7 +1007,7 @@
           <a:p>
             <a:fld id="{52B8D9F6-4451-40AE-B207-4B50218968CE}" type="datetimeFigureOut">
               <a:rPr lang="en-IN" smtClean="0"/>
-              <a:t>06-12-2018</a:t>
+              <a:t>30-03-2019</a:t>
             </a:fld>
             <a:endParaRPr lang="en-IN"/>
           </a:p>
@@ -1239,7 +1239,7 @@
           <a:p>
             <a:fld id="{52B8D9F6-4451-40AE-B207-4B50218968CE}" type="datetimeFigureOut">
               <a:rPr lang="en-IN" smtClean="0"/>
-              <a:t>06-12-2018</a:t>
+              <a:t>30-03-2019</a:t>
             </a:fld>
             <a:endParaRPr lang="en-IN"/>
           </a:p>
@@ -1606,7 +1606,7 @@
           <a:p>
             <a:fld id="{52B8D9F6-4451-40AE-B207-4B50218968CE}" type="datetimeFigureOut">
               <a:rPr lang="en-IN" smtClean="0"/>
-              <a:t>06-12-2018</a:t>
+              <a:t>30-03-2019</a:t>
             </a:fld>
             <a:endParaRPr lang="en-IN"/>
           </a:p>
@@ -1724,7 +1724,7 @@
           <a:p>
             <a:fld id="{52B8D9F6-4451-40AE-B207-4B50218968CE}" type="datetimeFigureOut">
               <a:rPr lang="en-IN" smtClean="0"/>
-              <a:t>06-12-2018</a:t>
+              <a:t>30-03-2019</a:t>
             </a:fld>
             <a:endParaRPr lang="en-IN"/>
           </a:p>
@@ -1819,7 +1819,7 @@
           <a:p>
             <a:fld id="{52B8D9F6-4451-40AE-B207-4B50218968CE}" type="datetimeFigureOut">
               <a:rPr lang="en-IN" smtClean="0"/>
-              <a:t>06-12-2018</a:t>
+              <a:t>30-03-2019</a:t>
             </a:fld>
             <a:endParaRPr lang="en-IN"/>
           </a:p>
@@ -2096,7 +2096,7 @@
           <a:p>
             <a:fld id="{52B8D9F6-4451-40AE-B207-4B50218968CE}" type="datetimeFigureOut">
               <a:rPr lang="en-IN" smtClean="0"/>
-              <a:t>06-12-2018</a:t>
+              <a:t>30-03-2019</a:t>
             </a:fld>
             <a:endParaRPr lang="en-IN"/>
           </a:p>
@@ -2353,7 +2353,7 @@
           <a:p>
             <a:fld id="{52B8D9F6-4451-40AE-B207-4B50218968CE}" type="datetimeFigureOut">
               <a:rPr lang="en-IN" smtClean="0"/>
-              <a:t>06-12-2018</a:t>
+              <a:t>30-03-2019</a:t>
             </a:fld>
             <a:endParaRPr lang="en-IN"/>
           </a:p>
@@ -2566,7 +2566,7 @@
           <a:p>
             <a:fld id="{52B8D9F6-4451-40AE-B207-4B50218968CE}" type="datetimeFigureOut">
               <a:rPr lang="en-IN" smtClean="0"/>
-              <a:t>06-12-2018</a:t>
+              <a:t>30-03-2019</a:t>
             </a:fld>
             <a:endParaRPr lang="en-IN"/>
           </a:p>
@@ -2971,6 +2971,435 @@
           <a:chExt cx="0" cy="0"/>
         </a:xfrm>
       </p:grpSpPr>
+      <p:graphicFrame>
+        <p:nvGraphicFramePr>
+          <p:cNvPr id="53" name="Table 52"/>
+          <p:cNvGraphicFramePr>
+            <a:graphicFrameLocks noGrp="1"/>
+          </p:cNvGraphicFramePr>
+          <p:nvPr>
+            <p:extLst>
+              <p:ext uri="{D42A27DB-BD31-4B8C-83A1-F6EECF244321}">
+                <p14:modId xmlns:p14="http://schemas.microsoft.com/office/powerpoint/2010/main" val="2190544911"/>
+              </p:ext>
+            </p:extLst>
+          </p:nvPr>
+        </p:nvGraphicFramePr>
+        <p:xfrm>
+          <a:off x="6169754" y="1001001"/>
+          <a:ext cx="3793831" cy="1483996"/>
+        </p:xfrm>
+        <a:graphic>
+          <a:graphicData uri="http://schemas.openxmlformats.org/drawingml/2006/table">
+            <a:tbl>
+              <a:tblPr>
+                <a:tableStyleId>{5940675A-B579-460E-94D1-54222C63F5DA}</a:tableStyleId>
+              </a:tblPr>
+              <a:tblGrid>
+                <a:gridCol w="1242400">
+                  <a:extLst>
+                    <a:ext uri="{9D8B030D-6E8A-4147-A177-3AD203B41FA5}">
+                      <a16:colId xmlns="" xmlns:a16="http://schemas.microsoft.com/office/drawing/2014/main" val="20000"/>
+                    </a:ext>
+                  </a:extLst>
+                </a:gridCol>
+                <a:gridCol w="1148926">
+                  <a:extLst>
+                    <a:ext uri="{9D8B030D-6E8A-4147-A177-3AD203B41FA5}">
+                      <a16:colId xmlns="" xmlns:a16="http://schemas.microsoft.com/office/drawing/2014/main" val="20001"/>
+                    </a:ext>
+                  </a:extLst>
+                </a:gridCol>
+                <a:gridCol w="1402505">
+                  <a:extLst>
+                    <a:ext uri="{9D8B030D-6E8A-4147-A177-3AD203B41FA5}">
+                      <a16:colId xmlns="" xmlns:a16="http://schemas.microsoft.com/office/drawing/2014/main" val="20002"/>
+                    </a:ext>
+                  </a:extLst>
+                </a:gridCol>
+              </a:tblGrid>
+              <a:tr h="485775">
+                <a:tc gridSpan="3">
+                  <a:txBody>
+                    <a:bodyPr/>
+                    <a:lstStyle/>
+                    <a:p>
+                      <a:pPr marL="0" marR="0" indent="0" algn="ctr" defTabSz="1005840" rtl="0" eaLnBrk="1" fontAlgn="auto" latinLnBrk="0" hangingPunct="1">
+                        <a:lnSpc>
+                          <a:spcPct val="100000"/>
+                        </a:lnSpc>
+                        <a:spcBef>
+                          <a:spcPts val="0"/>
+                        </a:spcBef>
+                        <a:spcAft>
+                          <a:spcPts val="0"/>
+                        </a:spcAft>
+                        <a:buClrTx/>
+                        <a:buSzTx/>
+                        <a:buFontTx/>
+                        <a:buNone/>
+                        <a:tabLst/>
+                        <a:defRPr/>
+                      </a:pPr>
+                      <a:r>
+                        <a:rPr lang="en-IN" sz="2800" dirty="0" smtClean="0">
+                          <a:solidFill>
+                            <a:schemeClr val="tx1"/>
+                          </a:solidFill>
+                          <a:latin typeface="+mn-lt"/>
+                          <a:cs typeface="Times New Roman" panose="02020603050405020304" pitchFamily="18" charset="0"/>
+                        </a:rPr>
+                        <a:t>Reject </a:t>
+                      </a:r>
+                      <a:r>
+                        <a:rPr lang="en-IN" sz="2800" dirty="0" smtClean="0">
+                          <a:solidFill>
+                            <a:schemeClr val="tx1"/>
+                          </a:solidFill>
+                          <a:latin typeface="+mn-lt"/>
+                          <a:cs typeface="Times New Roman" panose="02020603050405020304" pitchFamily="18" charset="0"/>
+                        </a:rPr>
+                        <a:t>Table</a:t>
+                      </a:r>
+                      <a:endParaRPr lang="en-IN" sz="2400" dirty="0" smtClean="0">
+                        <a:solidFill>
+                          <a:schemeClr val="tx1"/>
+                        </a:solidFill>
+                        <a:latin typeface="+mn-lt"/>
+                        <a:cs typeface="Times New Roman" panose="02020603050405020304" pitchFamily="18" charset="0"/>
+                      </a:endParaRPr>
+                    </a:p>
+                  </a:txBody>
+                  <a:tcPr marL="85725" marR="85725" marT="42863" marB="42863">
+                    <a:lnL w="12700" cmpd="sng">
+                      <a:noFill/>
+                    </a:lnL>
+                    <a:lnR w="12700" cmpd="sng">
+                      <a:noFill/>
+                    </a:lnR>
+                    <a:lnT w="12700" cmpd="sng">
+                      <a:noFill/>
+                    </a:lnT>
+                    <a:lnB w="12700" cmpd="sng">
+                      <a:noFill/>
+                    </a:lnB>
+                    <a:lnTlToBr w="12700" cmpd="sng">
+                      <a:noFill/>
+                      <a:prstDash val="solid"/>
+                    </a:lnTlToBr>
+                    <a:lnBlToTr w="12700" cmpd="sng">
+                      <a:noFill/>
+                      <a:prstDash val="solid"/>
+                    </a:lnBlToTr>
+                    <a:solidFill>
+                      <a:srgbClr val="FF0000"/>
+                    </a:solidFill>
+                  </a:tcPr>
+                </a:tc>
+                <a:tc hMerge="1">
+                  <a:txBody>
+                    <a:bodyPr/>
+                    <a:lstStyle/>
+                    <a:p>
+                      <a:endParaRPr lang="en-IN" sz="2300" dirty="0"/>
+                    </a:p>
+                  </a:txBody>
+                  <a:tcPr marL="85725" marR="85725" marT="42863" marB="42863"/>
+                </a:tc>
+                <a:tc hMerge="1">
+                  <a:txBody>
+                    <a:bodyPr/>
+                    <a:lstStyle/>
+                    <a:p>
+                      <a:endParaRPr lang="en-IN" sz="2600" dirty="0"/>
+                    </a:p>
+                  </a:txBody>
+                  <a:tcPr marL="85725" marR="85725" marT="42863" marB="42863"/>
+                </a:tc>
+                <a:extLst>
+                  <a:ext uri="{0D108BD9-81ED-4DB2-BD59-A6C34878D82A}">
+                    <a16:rowId xmlns="" xmlns:a16="http://schemas.microsoft.com/office/drawing/2014/main" val="10000"/>
+                  </a:ext>
+                </a:extLst>
+              </a:tr>
+              <a:tr h="485775">
+                <a:tc>
+                  <a:txBody>
+                    <a:bodyPr/>
+                    <a:lstStyle/>
+                    <a:p>
+                      <a:r>
+                        <a:rPr lang="en-IN" sz="2600" dirty="0" smtClean="0">
+                          <a:solidFill>
+                            <a:schemeClr val="tx1"/>
+                          </a:solidFill>
+                          <a:latin typeface="+mn-lt"/>
+                          <a:cs typeface="Times New Roman" panose="02020603050405020304" pitchFamily="18" charset="0"/>
+                        </a:rPr>
+                        <a:t>Index 1</a:t>
+                      </a:r>
+                      <a:endParaRPr lang="en-IN" sz="2300" dirty="0">
+                        <a:solidFill>
+                          <a:schemeClr val="tx1"/>
+                        </a:solidFill>
+                        <a:latin typeface="+mn-lt"/>
+                        <a:cs typeface="Times New Roman" panose="02020603050405020304" pitchFamily="18" charset="0"/>
+                      </a:endParaRPr>
+                    </a:p>
+                  </a:txBody>
+                  <a:tcPr marL="85725" marR="85725" marT="42863" marB="42863">
+                    <a:lnL w="12700" cmpd="sng">
+                      <a:noFill/>
+                    </a:lnL>
+                    <a:lnR w="12700" cmpd="sng">
+                      <a:noFill/>
+                    </a:lnR>
+                    <a:lnT w="12700" cmpd="sng">
+                      <a:noFill/>
+                    </a:lnT>
+                    <a:lnB w="12700" cmpd="sng">
+                      <a:noFill/>
+                    </a:lnB>
+                    <a:lnTlToBr w="12700" cmpd="sng">
+                      <a:noFill/>
+                      <a:prstDash val="solid"/>
+                    </a:lnTlToBr>
+                    <a:lnBlToTr w="12700" cmpd="sng">
+                      <a:noFill/>
+                      <a:prstDash val="solid"/>
+                    </a:lnBlToTr>
+                    <a:solidFill>
+                      <a:srgbClr val="FF0000"/>
+                    </a:solidFill>
+                  </a:tcPr>
+                </a:tc>
+                <a:tc>
+                  <a:txBody>
+                    <a:bodyPr/>
+                    <a:lstStyle/>
+                    <a:p>
+                      <a:r>
+                        <a:rPr lang="en-IN" sz="2300" dirty="0" smtClean="0">
+                          <a:solidFill>
+                            <a:schemeClr val="tx1"/>
+                          </a:solidFill>
+                          <a:latin typeface="+mn-lt"/>
+                          <a:cs typeface="Times New Roman" panose="02020603050405020304" pitchFamily="18" charset="0"/>
+                        </a:rPr>
+                        <a:t>…..</a:t>
+                      </a:r>
+                      <a:endParaRPr lang="en-IN" sz="2300" dirty="0">
+                        <a:solidFill>
+                          <a:schemeClr val="tx1"/>
+                        </a:solidFill>
+                        <a:latin typeface="+mn-lt"/>
+                        <a:cs typeface="Times New Roman" panose="02020603050405020304" pitchFamily="18" charset="0"/>
+                      </a:endParaRPr>
+                    </a:p>
+                  </a:txBody>
+                  <a:tcPr marL="85725" marR="85725" marT="42863" marB="42863">
+                    <a:lnL w="12700" cmpd="sng">
+                      <a:noFill/>
+                    </a:lnL>
+                    <a:lnR w="12700" cmpd="sng">
+                      <a:noFill/>
+                    </a:lnR>
+                    <a:lnT w="12700" cmpd="sng">
+                      <a:noFill/>
+                    </a:lnT>
+                    <a:lnB w="12700" cmpd="sng">
+                      <a:noFill/>
+                    </a:lnB>
+                    <a:lnTlToBr w="12700" cmpd="sng">
+                      <a:noFill/>
+                      <a:prstDash val="solid"/>
+                    </a:lnTlToBr>
+                    <a:lnBlToTr w="12700" cmpd="sng">
+                      <a:noFill/>
+                      <a:prstDash val="solid"/>
+                    </a:lnBlToTr>
+                    <a:solidFill>
+                      <a:srgbClr val="FF0000"/>
+                    </a:solidFill>
+                  </a:tcPr>
+                </a:tc>
+                <a:tc>
+                  <a:txBody>
+                    <a:bodyPr/>
+                    <a:lstStyle/>
+                    <a:p>
+                      <a:r>
+                        <a:rPr lang="en-IN" sz="2600" dirty="0" smtClean="0">
+                          <a:solidFill>
+                            <a:schemeClr val="tx1"/>
+                          </a:solidFill>
+                          <a:latin typeface="+mn-lt"/>
+                          <a:cs typeface="Times New Roman" panose="02020603050405020304" pitchFamily="18" charset="0"/>
+                        </a:rPr>
+                        <a:t>Index N</a:t>
+                      </a:r>
+                      <a:endParaRPr lang="en-IN" sz="2600" dirty="0">
+                        <a:solidFill>
+                          <a:schemeClr val="tx1"/>
+                        </a:solidFill>
+                        <a:latin typeface="+mn-lt"/>
+                        <a:cs typeface="Times New Roman" panose="02020603050405020304" pitchFamily="18" charset="0"/>
+                      </a:endParaRPr>
+                    </a:p>
+                  </a:txBody>
+                  <a:tcPr marL="85725" marR="85725" marT="42863" marB="42863">
+                    <a:lnL w="12700" cmpd="sng">
+                      <a:noFill/>
+                    </a:lnL>
+                    <a:lnR w="12700" cmpd="sng">
+                      <a:noFill/>
+                    </a:lnR>
+                    <a:lnT w="12700" cmpd="sng">
+                      <a:noFill/>
+                    </a:lnT>
+                    <a:lnB w="12700" cmpd="sng">
+                      <a:noFill/>
+                    </a:lnB>
+                    <a:lnTlToBr w="12700" cmpd="sng">
+                      <a:noFill/>
+                      <a:prstDash val="solid"/>
+                    </a:lnTlToBr>
+                    <a:lnBlToTr w="12700" cmpd="sng">
+                      <a:noFill/>
+                      <a:prstDash val="solid"/>
+                    </a:lnBlToTr>
+                    <a:solidFill>
+                      <a:srgbClr val="FF0000"/>
+                    </a:solidFill>
+                  </a:tcPr>
+                </a:tc>
+              </a:tr>
+              <a:tr h="485775">
+                <a:tc>
+                  <a:txBody>
+                    <a:bodyPr/>
+                    <a:lstStyle/>
+                    <a:p>
+                      <a:endParaRPr lang="en-IN" sz="2300" dirty="0">
+                        <a:solidFill>
+                          <a:schemeClr val="tx1"/>
+                        </a:solidFill>
+                        <a:latin typeface="+mn-lt"/>
+                        <a:cs typeface="Times New Roman" panose="02020603050405020304" pitchFamily="18" charset="0"/>
+                      </a:endParaRPr>
+                    </a:p>
+                  </a:txBody>
+                  <a:tcPr marL="85725" marR="85725" marT="42863" marB="42863">
+                    <a:lnL w="12700" cmpd="sng">
+                      <a:noFill/>
+                    </a:lnL>
+                    <a:lnR w="12700" cmpd="sng">
+                      <a:noFill/>
+                    </a:lnR>
+                    <a:lnT w="12700" cmpd="sng">
+                      <a:noFill/>
+                    </a:lnT>
+                    <a:lnB w="12700" cmpd="sng">
+                      <a:noFill/>
+                    </a:lnB>
+                    <a:lnTlToBr w="12700" cmpd="sng">
+                      <a:noFill/>
+                      <a:prstDash val="solid"/>
+                    </a:lnTlToBr>
+                    <a:lnBlToTr w="12700" cmpd="sng">
+                      <a:noFill/>
+                      <a:prstDash val="solid"/>
+                    </a:lnBlToTr>
+                    <a:solidFill>
+                      <a:srgbClr val="FF0000"/>
+                    </a:solidFill>
+                  </a:tcPr>
+                </a:tc>
+                <a:tc>
+                  <a:txBody>
+                    <a:bodyPr/>
+                    <a:lstStyle/>
+                    <a:p>
+                      <a:endParaRPr lang="en-IN" sz="2300" dirty="0">
+                        <a:solidFill>
+                          <a:schemeClr val="tx1"/>
+                        </a:solidFill>
+                        <a:latin typeface="+mn-lt"/>
+                        <a:cs typeface="Times New Roman" panose="02020603050405020304" pitchFamily="18" charset="0"/>
+                      </a:endParaRPr>
+                    </a:p>
+                  </a:txBody>
+                  <a:tcPr marL="85725" marR="85725" marT="42863" marB="42863">
+                    <a:lnL w="12700" cmpd="sng">
+                      <a:noFill/>
+                    </a:lnL>
+                    <a:lnR w="12700" cmpd="sng">
+                      <a:noFill/>
+                    </a:lnR>
+                    <a:lnT w="12700" cmpd="sng">
+                      <a:noFill/>
+                    </a:lnT>
+                    <a:lnB w="12700" cmpd="sng">
+                      <a:noFill/>
+                    </a:lnB>
+                    <a:lnTlToBr w="12700" cmpd="sng">
+                      <a:noFill/>
+                      <a:prstDash val="solid"/>
+                    </a:lnTlToBr>
+                    <a:lnBlToTr w="12700" cmpd="sng">
+                      <a:noFill/>
+                      <a:prstDash val="solid"/>
+                    </a:lnBlToTr>
+                    <a:solidFill>
+                      <a:srgbClr val="FF0000"/>
+                    </a:solidFill>
+                  </a:tcPr>
+                </a:tc>
+                <a:tc>
+                  <a:txBody>
+                    <a:bodyPr/>
+                    <a:lstStyle/>
+                    <a:p>
+                      <a:endParaRPr lang="en-IN" sz="2600" dirty="0">
+                        <a:solidFill>
+                          <a:schemeClr val="tx1"/>
+                        </a:solidFill>
+                        <a:latin typeface="+mn-lt"/>
+                        <a:cs typeface="Times New Roman" panose="02020603050405020304" pitchFamily="18" charset="0"/>
+                      </a:endParaRPr>
+                    </a:p>
+                  </a:txBody>
+                  <a:tcPr marL="85725" marR="85725" marT="42863" marB="42863">
+                    <a:lnL w="12700" cmpd="sng">
+                      <a:noFill/>
+                    </a:lnL>
+                    <a:lnR w="12700" cmpd="sng">
+                      <a:noFill/>
+                    </a:lnR>
+                    <a:lnT w="12700" cmpd="sng">
+                      <a:noFill/>
+                    </a:lnT>
+                    <a:lnB w="12700" cmpd="sng">
+                      <a:noFill/>
+                    </a:lnB>
+                    <a:lnTlToBr w="12700" cmpd="sng">
+                      <a:noFill/>
+                      <a:prstDash val="solid"/>
+                    </a:lnTlToBr>
+                    <a:lnBlToTr w="12700" cmpd="sng">
+                      <a:noFill/>
+                      <a:prstDash val="solid"/>
+                    </a:lnBlToTr>
+                    <a:solidFill>
+                      <a:srgbClr val="FF0000"/>
+                    </a:solidFill>
+                  </a:tcPr>
+                </a:tc>
+              </a:tr>
+            </a:tbl>
+          </a:graphicData>
+        </a:graphic>
+      </p:graphicFrame>
       <p:sp>
         <p:nvSpPr>
           <p:cNvPr id="33" name="Rectangle 32"/>
@@ -3389,13 +3818,13 @@
           <p:nvPr>
             <p:extLst>
               <p:ext uri="{D42A27DB-BD31-4B8C-83A1-F6EECF244321}">
-                <p14:modId xmlns:p14="http://schemas.microsoft.com/office/powerpoint/2010/main" val="438703703"/>
+                <p14:modId xmlns:p14="http://schemas.microsoft.com/office/powerpoint/2010/main" val="1044802786"/>
               </p:ext>
             </p:extLst>
           </p:nvPr>
         </p:nvGraphicFramePr>
         <p:xfrm>
-          <a:off x="6097892" y="1612713"/>
+          <a:off x="5909207" y="1612713"/>
           <a:ext cx="3793831" cy="1483996"/>
         </p:xfrm>
         <a:graphic>
@@ -3408,21 +3837,21 @@
                 <a:gridCol w="1242400">
                   <a:extLst>
                     <a:ext uri="{9D8B030D-6E8A-4147-A177-3AD203B41FA5}">
-                      <a16:colId xmlns:a16="http://schemas.microsoft.com/office/drawing/2014/main" xmlns="" val="20000"/>
+                      <a16:colId xmlns="" xmlns:a16="http://schemas.microsoft.com/office/drawing/2014/main" val="20000"/>
                     </a:ext>
                   </a:extLst>
                 </a:gridCol>
                 <a:gridCol w="1148926">
                   <a:extLst>
                     <a:ext uri="{9D8B030D-6E8A-4147-A177-3AD203B41FA5}">
-                      <a16:colId xmlns:a16="http://schemas.microsoft.com/office/drawing/2014/main" xmlns="" val="20001"/>
+                      <a16:colId xmlns="" xmlns:a16="http://schemas.microsoft.com/office/drawing/2014/main" val="20001"/>
                     </a:ext>
                   </a:extLst>
                 </a:gridCol>
                 <a:gridCol w="1402505">
                   <a:extLst>
                     <a:ext uri="{9D8B030D-6E8A-4147-A177-3AD203B41FA5}">
-                      <a16:colId xmlns:a16="http://schemas.microsoft.com/office/drawing/2014/main" xmlns="" val="20002"/>
+                      <a16:colId xmlns="" xmlns:a16="http://schemas.microsoft.com/office/drawing/2014/main" val="20002"/>
                     </a:ext>
                   </a:extLst>
                 </a:gridCol>
@@ -3452,18 +3881,28 @@
                       </a:pPr>
                       <a:r>
                         <a:rPr lang="en-IN" sz="2800" dirty="0" smtClean="0">
+                          <a:solidFill>
+                            <a:schemeClr val="tx1"/>
+                          </a:solidFill>
                           <a:latin typeface="+mn-lt"/>
                           <a:cs typeface="Times New Roman" panose="02020603050405020304" pitchFamily="18" charset="0"/>
                         </a:rPr>
                         <a:t>Prefetch Table</a:t>
                       </a:r>
                       <a:endParaRPr lang="en-IN" sz="2400" dirty="0" smtClean="0">
+                        <a:solidFill>
+                          <a:schemeClr val="tx1"/>
+                        </a:solidFill>
                         <a:latin typeface="+mn-lt"/>
                         <a:cs typeface="Times New Roman" panose="02020603050405020304" pitchFamily="18" charset="0"/>
                       </a:endParaRPr>
                     </a:p>
                   </a:txBody>
-                  <a:tcPr marL="85725" marR="85725" marT="42863" marB="42863"/>
+                  <a:tcPr marL="85725" marR="85725" marT="42863" marB="42863">
+                    <a:solidFill>
+                      <a:schemeClr val="bg1"/>
+                    </a:solidFill>
+                  </a:tcPr>
                 </a:tc>
                 <a:tc hMerge="1">
                   <a:txBody>
@@ -3487,7 +3926,7 @@
                 </a:tc>
                 <a:extLst>
                   <a:ext uri="{0D108BD9-81ED-4DB2-BD59-A6C34878D82A}">
-                    <a16:rowId xmlns:a16="http://schemas.microsoft.com/office/drawing/2014/main" xmlns="" val="10000"/>
+                    <a16:rowId xmlns="" xmlns:a16="http://schemas.microsoft.com/office/drawing/2014/main" val="10000"/>
                   </a:ext>
                 </a:extLst>
               </a:tr>
@@ -3499,18 +3938,28 @@
                     <a:p>
                       <a:r>
                         <a:rPr lang="en-IN" sz="2600" dirty="0" smtClean="0">
+                          <a:solidFill>
+                            <a:schemeClr val="tx1"/>
+                          </a:solidFill>
                           <a:latin typeface="+mn-lt"/>
                           <a:cs typeface="Times New Roman" panose="02020603050405020304" pitchFamily="18" charset="0"/>
                         </a:rPr>
                         <a:t>Index 1</a:t>
                       </a:r>
                       <a:endParaRPr lang="en-IN" sz="2300" dirty="0">
+                        <a:solidFill>
+                          <a:schemeClr val="tx1"/>
+                        </a:solidFill>
                         <a:latin typeface="+mn-lt"/>
                         <a:cs typeface="Times New Roman" panose="02020603050405020304" pitchFamily="18" charset="0"/>
                       </a:endParaRPr>
                     </a:p>
                   </a:txBody>
-                  <a:tcPr marL="85725" marR="85725" marT="42863" marB="42863"/>
+                  <a:tcPr marL="85725" marR="85725" marT="42863" marB="42863">
+                    <a:solidFill>
+                      <a:schemeClr val="bg1"/>
+                    </a:solidFill>
+                  </a:tcPr>
                 </a:tc>
                 <a:tc>
                   <a:txBody>
@@ -3519,18 +3968,28 @@
                     <a:p>
                       <a:r>
                         <a:rPr lang="en-IN" sz="2300" dirty="0" smtClean="0">
+                          <a:solidFill>
+                            <a:schemeClr val="tx1"/>
+                          </a:solidFill>
                           <a:latin typeface="+mn-lt"/>
                           <a:cs typeface="Times New Roman" panose="02020603050405020304" pitchFamily="18" charset="0"/>
                         </a:rPr>
                         <a:t>…..</a:t>
                       </a:r>
                       <a:endParaRPr lang="en-IN" sz="2300" dirty="0">
+                        <a:solidFill>
+                          <a:schemeClr val="tx1"/>
+                        </a:solidFill>
                         <a:latin typeface="+mn-lt"/>
                         <a:cs typeface="Times New Roman" panose="02020603050405020304" pitchFamily="18" charset="0"/>
                       </a:endParaRPr>
                     </a:p>
                   </a:txBody>
-                  <a:tcPr marL="85725" marR="85725" marT="42863" marB="42863"/>
+                  <a:tcPr marL="85725" marR="85725" marT="42863" marB="42863">
+                    <a:solidFill>
+                      <a:schemeClr val="bg1"/>
+                    </a:solidFill>
+                  </a:tcPr>
                 </a:tc>
                 <a:tc>
                   <a:txBody>
@@ -3539,18 +3998,28 @@
                     <a:p>
                       <a:r>
                         <a:rPr lang="en-IN" sz="2600" dirty="0" smtClean="0">
+                          <a:solidFill>
+                            <a:schemeClr val="tx1"/>
+                          </a:solidFill>
                           <a:latin typeface="+mn-lt"/>
                           <a:cs typeface="Times New Roman" panose="02020603050405020304" pitchFamily="18" charset="0"/>
                         </a:rPr>
                         <a:t>Index N</a:t>
                       </a:r>
                       <a:endParaRPr lang="en-IN" sz="2600" dirty="0">
+                        <a:solidFill>
+                          <a:schemeClr val="tx1"/>
+                        </a:solidFill>
                         <a:latin typeface="+mn-lt"/>
                         <a:cs typeface="Times New Roman" panose="02020603050405020304" pitchFamily="18" charset="0"/>
                       </a:endParaRPr>
                     </a:p>
                   </a:txBody>
-                  <a:tcPr marL="85725" marR="85725" marT="42863" marB="42863"/>
+                  <a:tcPr marL="85725" marR="85725" marT="42863" marB="42863">
+                    <a:solidFill>
+                      <a:schemeClr val="bg1"/>
+                    </a:solidFill>
+                  </a:tcPr>
                 </a:tc>
               </a:tr>
               <a:tr h="485775">
@@ -3560,12 +4029,19 @@
                     <a:lstStyle/>
                     <a:p>
                       <a:endParaRPr lang="en-IN" sz="2300" dirty="0">
+                        <a:solidFill>
+                          <a:schemeClr val="tx1"/>
+                        </a:solidFill>
                         <a:latin typeface="+mn-lt"/>
                         <a:cs typeface="Times New Roman" panose="02020603050405020304" pitchFamily="18" charset="0"/>
                       </a:endParaRPr>
                     </a:p>
                   </a:txBody>
-                  <a:tcPr marL="85725" marR="85725" marT="42863" marB="42863"/>
+                  <a:tcPr marL="85725" marR="85725" marT="42863" marB="42863">
+                    <a:solidFill>
+                      <a:schemeClr val="bg1"/>
+                    </a:solidFill>
+                  </a:tcPr>
                 </a:tc>
                 <a:tc>
                   <a:txBody>
@@ -3573,12 +4049,19 @@
                     <a:lstStyle/>
                     <a:p>
                       <a:endParaRPr lang="en-IN" sz="2300" dirty="0">
+                        <a:solidFill>
+                          <a:schemeClr val="tx1"/>
+                        </a:solidFill>
                         <a:latin typeface="+mn-lt"/>
                         <a:cs typeface="Times New Roman" panose="02020603050405020304" pitchFamily="18" charset="0"/>
                       </a:endParaRPr>
                     </a:p>
                   </a:txBody>
-                  <a:tcPr marL="85725" marR="85725" marT="42863" marB="42863"/>
+                  <a:tcPr marL="85725" marR="85725" marT="42863" marB="42863">
+                    <a:solidFill>
+                      <a:schemeClr val="bg1"/>
+                    </a:solidFill>
+                  </a:tcPr>
                 </a:tc>
                 <a:tc>
                   <a:txBody>
@@ -3586,12 +4069,19 @@
                     <a:lstStyle/>
                     <a:p>
                       <a:endParaRPr lang="en-IN" sz="2600" dirty="0">
+                        <a:solidFill>
+                          <a:schemeClr val="tx1"/>
+                        </a:solidFill>
                         <a:latin typeface="+mn-lt"/>
                         <a:cs typeface="Times New Roman" panose="02020603050405020304" pitchFamily="18" charset="0"/>
                       </a:endParaRPr>
                     </a:p>
                   </a:txBody>
-                  <a:tcPr marL="85725" marR="85725" marT="42863" marB="42863"/>
+                  <a:tcPr marL="85725" marR="85725" marT="42863" marB="42863">
+                    <a:solidFill>
+                      <a:schemeClr val="bg1"/>
+                    </a:solidFill>
+                  </a:tcPr>
                 </a:tc>
               </a:tr>
             </a:tbl>
@@ -3763,7 +4253,7 @@
         </p:nvSpPr>
         <p:spPr>
           <a:xfrm>
-            <a:off x="6891614" y="1039293"/>
+            <a:off x="6911058" y="336150"/>
             <a:ext cx="2039148" cy="525208"/>
           </a:xfrm>
           <a:prstGeom prst="rect">
@@ -3845,7 +4335,7 @@
                 <a:gridCol w="1113004">
                   <a:extLst>
                     <a:ext uri="{9D8B030D-6E8A-4147-A177-3AD203B41FA5}">
-                      <a16:colId xmlns:a16="http://schemas.microsoft.com/office/drawing/2014/main" xmlns="" val="20001"/>
+                      <a16:colId xmlns="" xmlns:a16="http://schemas.microsoft.com/office/drawing/2014/main" val="20001"/>
                     </a:ext>
                   </a:extLst>
                 </a:gridCol>
@@ -3876,7 +4366,7 @@
                 </a:tc>
                 <a:extLst>
                   <a:ext uri="{0D108BD9-81ED-4DB2-BD59-A6C34878D82A}">
-                    <a16:rowId xmlns:a16="http://schemas.microsoft.com/office/drawing/2014/main" xmlns="" val="10000"/>
+                    <a16:rowId xmlns="" xmlns:a16="http://schemas.microsoft.com/office/drawing/2014/main" val="10000"/>
                   </a:ext>
                 </a:extLst>
               </a:tr>
@@ -3913,7 +4403,7 @@
                 </a:tc>
                 <a:extLst>
                   <a:ext uri="{0D108BD9-81ED-4DB2-BD59-A6C34878D82A}">
-                    <a16:rowId xmlns:a16="http://schemas.microsoft.com/office/drawing/2014/main" xmlns="" val="10001"/>
+                    <a16:rowId xmlns="" xmlns:a16="http://schemas.microsoft.com/office/drawing/2014/main" val="10001"/>
                   </a:ext>
                 </a:extLst>
               </a:tr>
@@ -3950,7 +4440,7 @@
                 </a:tc>
                 <a:extLst>
                   <a:ext uri="{0D108BD9-81ED-4DB2-BD59-A6C34878D82A}">
-                    <a16:rowId xmlns:a16="http://schemas.microsoft.com/office/drawing/2014/main" xmlns="" val="10002"/>
+                    <a16:rowId xmlns="" xmlns:a16="http://schemas.microsoft.com/office/drawing/2014/main" val="10002"/>
                   </a:ext>
                 </a:extLst>
               </a:tr>
@@ -4004,7 +4494,7 @@
                 </a:tc>
                 <a:extLst>
                   <a:ext uri="{0D108BD9-81ED-4DB2-BD59-A6C34878D82A}">
-                    <a16:rowId xmlns:a16="http://schemas.microsoft.com/office/drawing/2014/main" xmlns="" val="10003"/>
+                    <a16:rowId xmlns="" xmlns:a16="http://schemas.microsoft.com/office/drawing/2014/main" val="10003"/>
                   </a:ext>
                 </a:extLst>
               </a:tr>
@@ -4108,7 +4598,7 @@
                 </a:tc>
                 <a:extLst>
                   <a:ext uri="{0D108BD9-81ED-4DB2-BD59-A6C34878D82A}">
-                    <a16:rowId xmlns:a16="http://schemas.microsoft.com/office/drawing/2014/main" xmlns="" val="10004"/>
+                    <a16:rowId xmlns="" xmlns:a16="http://schemas.microsoft.com/office/drawing/2014/main" val="10004"/>
                   </a:ext>
                 </a:extLst>
               </a:tr>
@@ -4144,7 +4634,7 @@
                 <a:gridCol w="1128850">
                   <a:extLst>
                     <a:ext uri="{9D8B030D-6E8A-4147-A177-3AD203B41FA5}">
-                      <a16:colId xmlns:a16="http://schemas.microsoft.com/office/drawing/2014/main" xmlns="" val="20001"/>
+                      <a16:colId xmlns="" xmlns:a16="http://schemas.microsoft.com/office/drawing/2014/main" val="20001"/>
                     </a:ext>
                   </a:extLst>
                 </a:gridCol>
@@ -4175,7 +4665,7 @@
                 </a:tc>
                 <a:extLst>
                   <a:ext uri="{0D108BD9-81ED-4DB2-BD59-A6C34878D82A}">
-                    <a16:rowId xmlns:a16="http://schemas.microsoft.com/office/drawing/2014/main" xmlns="" val="10000"/>
+                    <a16:rowId xmlns="" xmlns:a16="http://schemas.microsoft.com/office/drawing/2014/main" val="10000"/>
                   </a:ext>
                 </a:extLst>
               </a:tr>
@@ -4212,7 +4702,7 @@
                 </a:tc>
                 <a:extLst>
                   <a:ext uri="{0D108BD9-81ED-4DB2-BD59-A6C34878D82A}">
-                    <a16:rowId xmlns:a16="http://schemas.microsoft.com/office/drawing/2014/main" xmlns="" val="10001"/>
+                    <a16:rowId xmlns="" xmlns:a16="http://schemas.microsoft.com/office/drawing/2014/main" val="10001"/>
                   </a:ext>
                 </a:extLst>
               </a:tr>
@@ -4249,7 +4739,7 @@
                 </a:tc>
                 <a:extLst>
                   <a:ext uri="{0D108BD9-81ED-4DB2-BD59-A6C34878D82A}">
-                    <a16:rowId xmlns:a16="http://schemas.microsoft.com/office/drawing/2014/main" xmlns="" val="10002"/>
+                    <a16:rowId xmlns="" xmlns:a16="http://schemas.microsoft.com/office/drawing/2014/main" val="10002"/>
                   </a:ext>
                 </a:extLst>
               </a:tr>
@@ -4272,7 +4762,7 @@
                 </a:tc>
                 <a:extLst>
                   <a:ext uri="{0D108BD9-81ED-4DB2-BD59-A6C34878D82A}">
-                    <a16:rowId xmlns:a16="http://schemas.microsoft.com/office/drawing/2014/main" xmlns="" val="10003"/>
+                    <a16:rowId xmlns="" xmlns:a16="http://schemas.microsoft.com/office/drawing/2014/main" val="10003"/>
                   </a:ext>
                 </a:extLst>
               </a:tr>
@@ -4309,7 +4799,7 @@
                 </a:tc>
                 <a:extLst>
                   <a:ext uri="{0D108BD9-81ED-4DB2-BD59-A6C34878D82A}">
-                    <a16:rowId xmlns:a16="http://schemas.microsoft.com/office/drawing/2014/main" xmlns="" val="10004"/>
+                    <a16:rowId xmlns="" xmlns:a16="http://schemas.microsoft.com/office/drawing/2014/main" val="10004"/>
                   </a:ext>
                 </a:extLst>
               </a:tr>
@@ -4345,7 +4835,7 @@
                 <a:gridCol w="1127895">
                   <a:extLst>
                     <a:ext uri="{9D8B030D-6E8A-4147-A177-3AD203B41FA5}">
-                      <a16:colId xmlns:a16="http://schemas.microsoft.com/office/drawing/2014/main" xmlns="" val="20001"/>
+                      <a16:colId xmlns="" xmlns:a16="http://schemas.microsoft.com/office/drawing/2014/main" val="20001"/>
                     </a:ext>
                   </a:extLst>
                 </a:gridCol>
@@ -4376,7 +4866,7 @@
                 </a:tc>
                 <a:extLst>
                   <a:ext uri="{0D108BD9-81ED-4DB2-BD59-A6C34878D82A}">
-                    <a16:rowId xmlns:a16="http://schemas.microsoft.com/office/drawing/2014/main" xmlns="" val="10000"/>
+                    <a16:rowId xmlns="" xmlns:a16="http://schemas.microsoft.com/office/drawing/2014/main" val="10000"/>
                   </a:ext>
                 </a:extLst>
               </a:tr>
@@ -4413,7 +4903,7 @@
                 </a:tc>
                 <a:extLst>
                   <a:ext uri="{0D108BD9-81ED-4DB2-BD59-A6C34878D82A}">
-                    <a16:rowId xmlns:a16="http://schemas.microsoft.com/office/drawing/2014/main" xmlns="" val="10001"/>
+                    <a16:rowId xmlns="" xmlns:a16="http://schemas.microsoft.com/office/drawing/2014/main" val="10001"/>
                   </a:ext>
                 </a:extLst>
               </a:tr>
@@ -4450,7 +4940,7 @@
                 </a:tc>
                 <a:extLst>
                   <a:ext uri="{0D108BD9-81ED-4DB2-BD59-A6C34878D82A}">
-                    <a16:rowId xmlns:a16="http://schemas.microsoft.com/office/drawing/2014/main" xmlns="" val="10002"/>
+                    <a16:rowId xmlns="" xmlns:a16="http://schemas.microsoft.com/office/drawing/2014/main" val="10002"/>
                   </a:ext>
                 </a:extLst>
               </a:tr>
@@ -4504,7 +4994,7 @@
                 </a:tc>
                 <a:extLst>
                   <a:ext uri="{0D108BD9-81ED-4DB2-BD59-A6C34878D82A}">
-                    <a16:rowId xmlns:a16="http://schemas.microsoft.com/office/drawing/2014/main" xmlns="" val="10003"/>
+                    <a16:rowId xmlns="" xmlns:a16="http://schemas.microsoft.com/office/drawing/2014/main" val="10003"/>
                   </a:ext>
                 </a:extLst>
               </a:tr>
@@ -4559,7 +5049,7 @@
                 </a:tc>
                 <a:extLst>
                   <a:ext uri="{0D108BD9-81ED-4DB2-BD59-A6C34878D82A}">
-                    <a16:rowId xmlns:a16="http://schemas.microsoft.com/office/drawing/2014/main" xmlns="" val="10004"/>
+                    <a16:rowId xmlns="" xmlns:a16="http://schemas.microsoft.com/office/drawing/2014/main" val="10004"/>
                   </a:ext>
                 </a:extLst>
               </a:tr>
@@ -4723,7 +5213,7 @@
         </p:nvSpPr>
         <p:spPr>
           <a:xfrm>
-            <a:off x="5741996" y="8808188"/>
+            <a:off x="5780895" y="9184272"/>
             <a:ext cx="2188636" cy="525208"/>
           </a:xfrm>
           <a:prstGeom prst="rect">
@@ -4913,7 +5403,7 @@
                 <a:gridCol w="1098149">
                   <a:extLst>
                     <a:ext uri="{9D8B030D-6E8A-4147-A177-3AD203B41FA5}">
-                      <a16:colId xmlns:a16="http://schemas.microsoft.com/office/drawing/2014/main" xmlns="" val="20001"/>
+                      <a16:colId xmlns="" xmlns:a16="http://schemas.microsoft.com/office/drawing/2014/main" val="20001"/>
                     </a:ext>
                   </a:extLst>
                 </a:gridCol>
@@ -4944,7 +5434,7 @@
                 </a:tc>
                 <a:extLst>
                   <a:ext uri="{0D108BD9-81ED-4DB2-BD59-A6C34878D82A}">
-                    <a16:rowId xmlns:a16="http://schemas.microsoft.com/office/drawing/2014/main" xmlns="" val="10000"/>
+                    <a16:rowId xmlns="" xmlns:a16="http://schemas.microsoft.com/office/drawing/2014/main" val="10000"/>
                   </a:ext>
                 </a:extLst>
               </a:tr>
@@ -4981,7 +5471,7 @@
                 </a:tc>
                 <a:extLst>
                   <a:ext uri="{0D108BD9-81ED-4DB2-BD59-A6C34878D82A}">
-                    <a16:rowId xmlns:a16="http://schemas.microsoft.com/office/drawing/2014/main" xmlns="" val="10001"/>
+                    <a16:rowId xmlns="" xmlns:a16="http://schemas.microsoft.com/office/drawing/2014/main" val="10001"/>
                   </a:ext>
                 </a:extLst>
               </a:tr>
@@ -5018,7 +5508,7 @@
                 </a:tc>
                 <a:extLst>
                   <a:ext uri="{0D108BD9-81ED-4DB2-BD59-A6C34878D82A}">
-                    <a16:rowId xmlns:a16="http://schemas.microsoft.com/office/drawing/2014/main" xmlns="" val="10002"/>
+                    <a16:rowId xmlns="" xmlns:a16="http://schemas.microsoft.com/office/drawing/2014/main" val="10002"/>
                   </a:ext>
                 </a:extLst>
               </a:tr>
@@ -5072,7 +5562,7 @@
                 </a:tc>
                 <a:extLst>
                   <a:ext uri="{0D108BD9-81ED-4DB2-BD59-A6C34878D82A}">
-                    <a16:rowId xmlns:a16="http://schemas.microsoft.com/office/drawing/2014/main" xmlns="" val="10003"/>
+                    <a16:rowId xmlns="" xmlns:a16="http://schemas.microsoft.com/office/drawing/2014/main" val="10003"/>
                   </a:ext>
                 </a:extLst>
               </a:tr>
@@ -5176,7 +5666,7 @@
                 </a:tc>
                 <a:extLst>
                   <a:ext uri="{0D108BD9-81ED-4DB2-BD59-A6C34878D82A}">
-                    <a16:rowId xmlns:a16="http://schemas.microsoft.com/office/drawing/2014/main" xmlns="" val="10004"/>
+                    <a16:rowId xmlns="" xmlns:a16="http://schemas.microsoft.com/office/drawing/2014/main" val="10004"/>
                   </a:ext>
                 </a:extLst>
               </a:tr>
@@ -5212,7 +5702,7 @@
                 <a:gridCol w="1060293">
                   <a:extLst>
                     <a:ext uri="{9D8B030D-6E8A-4147-A177-3AD203B41FA5}">
-                      <a16:colId xmlns:a16="http://schemas.microsoft.com/office/drawing/2014/main" xmlns="" val="20001"/>
+                      <a16:colId xmlns="" xmlns:a16="http://schemas.microsoft.com/office/drawing/2014/main" val="20001"/>
                     </a:ext>
                   </a:extLst>
                 </a:gridCol>
@@ -5243,7 +5733,7 @@
                 </a:tc>
                 <a:extLst>
                   <a:ext uri="{0D108BD9-81ED-4DB2-BD59-A6C34878D82A}">
-                    <a16:rowId xmlns:a16="http://schemas.microsoft.com/office/drawing/2014/main" xmlns="" val="10000"/>
+                    <a16:rowId xmlns="" xmlns:a16="http://schemas.microsoft.com/office/drawing/2014/main" val="10000"/>
                   </a:ext>
                 </a:extLst>
               </a:tr>
@@ -5280,7 +5770,7 @@
                 </a:tc>
                 <a:extLst>
                   <a:ext uri="{0D108BD9-81ED-4DB2-BD59-A6C34878D82A}">
-                    <a16:rowId xmlns:a16="http://schemas.microsoft.com/office/drawing/2014/main" xmlns="" val="10001"/>
+                    <a16:rowId xmlns="" xmlns:a16="http://schemas.microsoft.com/office/drawing/2014/main" val="10001"/>
                   </a:ext>
                 </a:extLst>
               </a:tr>
@@ -5317,7 +5807,7 @@
                 </a:tc>
                 <a:extLst>
                   <a:ext uri="{0D108BD9-81ED-4DB2-BD59-A6C34878D82A}">
-                    <a16:rowId xmlns:a16="http://schemas.microsoft.com/office/drawing/2014/main" xmlns="" val="10002"/>
+                    <a16:rowId xmlns="" xmlns:a16="http://schemas.microsoft.com/office/drawing/2014/main" val="10002"/>
                   </a:ext>
                 </a:extLst>
               </a:tr>
@@ -5340,7 +5830,7 @@
                 </a:tc>
                 <a:extLst>
                   <a:ext uri="{0D108BD9-81ED-4DB2-BD59-A6C34878D82A}">
-                    <a16:rowId xmlns:a16="http://schemas.microsoft.com/office/drawing/2014/main" xmlns="" val="10003"/>
+                    <a16:rowId xmlns="" xmlns:a16="http://schemas.microsoft.com/office/drawing/2014/main" val="10003"/>
                   </a:ext>
                 </a:extLst>
               </a:tr>
@@ -5377,7 +5867,7 @@
                 </a:tc>
                 <a:extLst>
                   <a:ext uri="{0D108BD9-81ED-4DB2-BD59-A6C34878D82A}">
-                    <a16:rowId xmlns:a16="http://schemas.microsoft.com/office/drawing/2014/main" xmlns="" val="10004"/>
+                    <a16:rowId xmlns="" xmlns:a16="http://schemas.microsoft.com/office/drawing/2014/main" val="10004"/>
                   </a:ext>
                 </a:extLst>
               </a:tr>
@@ -5413,7 +5903,7 @@
                 <a:gridCol w="1158194">
                   <a:extLst>
                     <a:ext uri="{9D8B030D-6E8A-4147-A177-3AD203B41FA5}">
-                      <a16:colId xmlns:a16="http://schemas.microsoft.com/office/drawing/2014/main" xmlns="" val="20001"/>
+                      <a16:colId xmlns="" xmlns:a16="http://schemas.microsoft.com/office/drawing/2014/main" val="20001"/>
                     </a:ext>
                   </a:extLst>
                 </a:gridCol>
@@ -5444,7 +5934,7 @@
                 </a:tc>
                 <a:extLst>
                   <a:ext uri="{0D108BD9-81ED-4DB2-BD59-A6C34878D82A}">
-                    <a16:rowId xmlns:a16="http://schemas.microsoft.com/office/drawing/2014/main" xmlns="" val="10000"/>
+                    <a16:rowId xmlns="" xmlns:a16="http://schemas.microsoft.com/office/drawing/2014/main" val="10000"/>
                   </a:ext>
                 </a:extLst>
               </a:tr>
@@ -5481,7 +5971,7 @@
                 </a:tc>
                 <a:extLst>
                   <a:ext uri="{0D108BD9-81ED-4DB2-BD59-A6C34878D82A}">
-                    <a16:rowId xmlns:a16="http://schemas.microsoft.com/office/drawing/2014/main" xmlns="" val="10001"/>
+                    <a16:rowId xmlns="" xmlns:a16="http://schemas.microsoft.com/office/drawing/2014/main" val="10001"/>
                   </a:ext>
                 </a:extLst>
               </a:tr>
@@ -5518,7 +6008,7 @@
                 </a:tc>
                 <a:extLst>
                   <a:ext uri="{0D108BD9-81ED-4DB2-BD59-A6C34878D82A}">
-                    <a16:rowId xmlns:a16="http://schemas.microsoft.com/office/drawing/2014/main" xmlns="" val="10002"/>
+                    <a16:rowId xmlns="" xmlns:a16="http://schemas.microsoft.com/office/drawing/2014/main" val="10002"/>
                   </a:ext>
                 </a:extLst>
               </a:tr>
@@ -5572,7 +6062,7 @@
                 </a:tc>
                 <a:extLst>
                   <a:ext uri="{0D108BD9-81ED-4DB2-BD59-A6C34878D82A}">
-                    <a16:rowId xmlns:a16="http://schemas.microsoft.com/office/drawing/2014/main" xmlns="" val="10003"/>
+                    <a16:rowId xmlns="" xmlns:a16="http://schemas.microsoft.com/office/drawing/2014/main" val="10003"/>
                   </a:ext>
                 </a:extLst>
               </a:tr>
@@ -5627,7 +6117,7 @@
                 </a:tc>
                 <a:extLst>
                   <a:ext uri="{0D108BD9-81ED-4DB2-BD59-A6C34878D82A}">
-                    <a16:rowId xmlns:a16="http://schemas.microsoft.com/office/drawing/2014/main" xmlns="" val="10004"/>
+                    <a16:rowId xmlns="" xmlns:a16="http://schemas.microsoft.com/office/drawing/2014/main" val="10004"/>
                   </a:ext>
                 </a:extLst>
               </a:tr>
@@ -5761,221 +6251,6 @@
           </a:p>
         </p:txBody>
       </p:sp>
-      <p:graphicFrame>
-        <p:nvGraphicFramePr>
-          <p:cNvPr id="68" name="Table 67"/>
-          <p:cNvGraphicFramePr>
-            <a:graphicFrameLocks noGrp="1"/>
-          </p:cNvGraphicFramePr>
-          <p:nvPr>
-            <p:extLst>
-              <p:ext uri="{D42A27DB-BD31-4B8C-83A1-F6EECF244321}">
-                <p14:modId xmlns:p14="http://schemas.microsoft.com/office/powerpoint/2010/main" val="493825522"/>
-              </p:ext>
-            </p:extLst>
-          </p:nvPr>
-        </p:nvGraphicFramePr>
-        <p:xfrm>
-          <a:off x="6008824" y="7346931"/>
-          <a:ext cx="3793831" cy="1483996"/>
-        </p:xfrm>
-        <a:graphic>
-          <a:graphicData uri="http://schemas.openxmlformats.org/drawingml/2006/table">
-            <a:tbl>
-              <a:tblPr>
-                <a:tableStyleId>{5940675A-B579-460E-94D1-54222C63F5DA}</a:tableStyleId>
-              </a:tblPr>
-              <a:tblGrid>
-                <a:gridCol w="1242400">
-                  <a:extLst>
-                    <a:ext uri="{9D8B030D-6E8A-4147-A177-3AD203B41FA5}">
-                      <a16:colId xmlns:a16="http://schemas.microsoft.com/office/drawing/2014/main" xmlns="" val="20000"/>
-                    </a:ext>
-                  </a:extLst>
-                </a:gridCol>
-                <a:gridCol w="1148926">
-                  <a:extLst>
-                    <a:ext uri="{9D8B030D-6E8A-4147-A177-3AD203B41FA5}">
-                      <a16:colId xmlns:a16="http://schemas.microsoft.com/office/drawing/2014/main" xmlns="" val="20001"/>
-                    </a:ext>
-                  </a:extLst>
-                </a:gridCol>
-                <a:gridCol w="1402505">
-                  <a:extLst>
-                    <a:ext uri="{9D8B030D-6E8A-4147-A177-3AD203B41FA5}">
-                      <a16:colId xmlns:a16="http://schemas.microsoft.com/office/drawing/2014/main" xmlns="" val="20002"/>
-                    </a:ext>
-                  </a:extLst>
-                </a:gridCol>
-              </a:tblGrid>
-              <a:tr h="485775">
-                <a:tc gridSpan="3">
-                  <a:txBody>
-                    <a:bodyPr/>
-                    <a:lstStyle/>
-                    <a:p>
-                      <a:pPr marL="0" marR="0" indent="0" algn="ctr" defTabSz="1005840" rtl="0" eaLnBrk="1" fontAlgn="auto" latinLnBrk="0" hangingPunct="1">
-                        <a:lnSpc>
-                          <a:spcPct val="100000"/>
-                        </a:lnSpc>
-                        <a:spcBef>
-                          <a:spcPts val="0"/>
-                        </a:spcBef>
-                        <a:spcAft>
-                          <a:spcPts val="0"/>
-                        </a:spcAft>
-                        <a:buClrTx/>
-                        <a:buSzTx/>
-                        <a:buFontTx/>
-                        <a:buNone/>
-                        <a:tabLst/>
-                        <a:defRPr/>
-                      </a:pPr>
-                      <a:r>
-                        <a:rPr lang="en-IN" sz="2800" dirty="0" smtClean="0">
-                          <a:latin typeface="+mn-lt"/>
-                          <a:cs typeface="Times New Roman" panose="02020603050405020304" pitchFamily="18" charset="0"/>
-                        </a:rPr>
-                        <a:t>Prefetch Table</a:t>
-                      </a:r>
-                      <a:endParaRPr lang="en-IN" sz="2400" dirty="0" smtClean="0">
-                        <a:latin typeface="+mn-lt"/>
-                        <a:cs typeface="Times New Roman" panose="02020603050405020304" pitchFamily="18" charset="0"/>
-                      </a:endParaRPr>
-                    </a:p>
-                  </a:txBody>
-                  <a:tcPr marL="85725" marR="85725" marT="42863" marB="42863"/>
-                </a:tc>
-                <a:tc hMerge="1">
-                  <a:txBody>
-                    <a:bodyPr/>
-                    <a:lstStyle/>
-                    <a:p>
-                      <a:endParaRPr lang="en-IN" sz="2300" dirty="0"/>
-                    </a:p>
-                  </a:txBody>
-                  <a:tcPr marL="85725" marR="85725" marT="42863" marB="42863"/>
-                </a:tc>
-                <a:tc hMerge="1">
-                  <a:txBody>
-                    <a:bodyPr/>
-                    <a:lstStyle/>
-                    <a:p>
-                      <a:endParaRPr lang="en-IN" sz="2600" dirty="0"/>
-                    </a:p>
-                  </a:txBody>
-                  <a:tcPr marL="85725" marR="85725" marT="42863" marB="42863"/>
-                </a:tc>
-                <a:extLst>
-                  <a:ext uri="{0D108BD9-81ED-4DB2-BD59-A6C34878D82A}">
-                    <a16:rowId xmlns:a16="http://schemas.microsoft.com/office/drawing/2014/main" xmlns="" val="10000"/>
-                  </a:ext>
-                </a:extLst>
-              </a:tr>
-              <a:tr h="485775">
-                <a:tc>
-                  <a:txBody>
-                    <a:bodyPr/>
-                    <a:lstStyle/>
-                    <a:p>
-                      <a:r>
-                        <a:rPr lang="en-IN" sz="2600" dirty="0" smtClean="0">
-                          <a:latin typeface="+mn-lt"/>
-                          <a:cs typeface="Times New Roman" panose="02020603050405020304" pitchFamily="18" charset="0"/>
-                        </a:rPr>
-                        <a:t>Index 1</a:t>
-                      </a:r>
-                      <a:endParaRPr lang="en-IN" sz="2300" dirty="0">
-                        <a:latin typeface="+mn-lt"/>
-                        <a:cs typeface="Times New Roman" panose="02020603050405020304" pitchFamily="18" charset="0"/>
-                      </a:endParaRPr>
-                    </a:p>
-                  </a:txBody>
-                  <a:tcPr marL="85725" marR="85725" marT="42863" marB="42863"/>
-                </a:tc>
-                <a:tc>
-                  <a:txBody>
-                    <a:bodyPr/>
-                    <a:lstStyle/>
-                    <a:p>
-                      <a:r>
-                        <a:rPr lang="en-IN" sz="2300" dirty="0" smtClean="0">
-                          <a:latin typeface="+mn-lt"/>
-                          <a:cs typeface="Times New Roman" panose="02020603050405020304" pitchFamily="18" charset="0"/>
-                        </a:rPr>
-                        <a:t>…..</a:t>
-                      </a:r>
-                      <a:endParaRPr lang="en-IN" sz="2300" dirty="0">
-                        <a:latin typeface="+mn-lt"/>
-                        <a:cs typeface="Times New Roman" panose="02020603050405020304" pitchFamily="18" charset="0"/>
-                      </a:endParaRPr>
-                    </a:p>
-                  </a:txBody>
-                  <a:tcPr marL="85725" marR="85725" marT="42863" marB="42863"/>
-                </a:tc>
-                <a:tc>
-                  <a:txBody>
-                    <a:bodyPr/>
-                    <a:lstStyle/>
-                    <a:p>
-                      <a:r>
-                        <a:rPr lang="en-IN" sz="2600" dirty="0" smtClean="0">
-                          <a:latin typeface="+mn-lt"/>
-                          <a:cs typeface="Times New Roman" panose="02020603050405020304" pitchFamily="18" charset="0"/>
-                        </a:rPr>
-                        <a:t>Index N</a:t>
-                      </a:r>
-                      <a:endParaRPr lang="en-IN" sz="2600" dirty="0">
-                        <a:latin typeface="+mn-lt"/>
-                        <a:cs typeface="Times New Roman" panose="02020603050405020304" pitchFamily="18" charset="0"/>
-                      </a:endParaRPr>
-                    </a:p>
-                  </a:txBody>
-                  <a:tcPr marL="85725" marR="85725" marT="42863" marB="42863"/>
-                </a:tc>
-              </a:tr>
-              <a:tr h="485775">
-                <a:tc>
-                  <a:txBody>
-                    <a:bodyPr/>
-                    <a:lstStyle/>
-                    <a:p>
-                      <a:endParaRPr lang="en-IN" sz="2300" dirty="0">
-                        <a:latin typeface="+mn-lt"/>
-                      </a:endParaRPr>
-                    </a:p>
-                  </a:txBody>
-                  <a:tcPr marL="85725" marR="85725" marT="42863" marB="42863"/>
-                </a:tc>
-                <a:tc>
-                  <a:txBody>
-                    <a:bodyPr/>
-                    <a:lstStyle/>
-                    <a:p>
-                      <a:endParaRPr lang="en-IN" sz="2300" dirty="0">
-                        <a:latin typeface="+mn-lt"/>
-                      </a:endParaRPr>
-                    </a:p>
-                  </a:txBody>
-                  <a:tcPr marL="85725" marR="85725" marT="42863" marB="42863"/>
-                </a:tc>
-                <a:tc>
-                  <a:txBody>
-                    <a:bodyPr/>
-                    <a:lstStyle/>
-                    <a:p>
-                      <a:endParaRPr lang="en-IN" sz="2600" dirty="0">
-                        <a:latin typeface="+mn-lt"/>
-                      </a:endParaRPr>
-                    </a:p>
-                  </a:txBody>
-                  <a:tcPr marL="85725" marR="85725" marT="42863" marB="42863"/>
-                </a:tc>
-              </a:tr>
-            </a:tbl>
-          </a:graphicData>
-        </a:graphic>
-      </p:graphicFrame>
       <p:cxnSp>
         <p:nvCxnSpPr>
           <p:cNvPr id="4" name="Straight Arrow Connector 3"/>
@@ -6128,8 +6403,8 @@
         </p:nvCxnSpPr>
         <p:spPr>
           <a:xfrm flipH="1" flipV="1">
-            <a:off x="8089900" y="8840102"/>
-            <a:ext cx="7679" cy="1519840"/>
+            <a:off x="8098921" y="9048887"/>
+            <a:ext cx="6980" cy="1346655"/>
           </a:xfrm>
           <a:prstGeom prst="straightConnector1">
             <a:avLst/>
@@ -6200,8 +6475,8 @@
         </p:nvCxnSpPr>
         <p:spPr>
           <a:xfrm flipV="1">
-            <a:off x="5120802" y="2400300"/>
-            <a:ext cx="990438" cy="6813"/>
+            <a:off x="5127844" y="2400300"/>
+            <a:ext cx="744131" cy="6813"/>
           </a:xfrm>
           <a:prstGeom prst="straightConnector1">
             <a:avLst/>
@@ -6209,6 +6484,651 @@
           <a:ln w="38100">
             <a:solidFill>
               <a:schemeClr val="tx1"/>
+            </a:solidFill>
+            <a:tailEnd type="triangle"/>
+          </a:ln>
+        </p:spPr>
+        <p:style>
+          <a:lnRef idx="1">
+            <a:schemeClr val="accent1"/>
+          </a:lnRef>
+          <a:fillRef idx="0">
+            <a:schemeClr val="accent1"/>
+          </a:fillRef>
+          <a:effectRef idx="0">
+            <a:schemeClr val="accent1"/>
+          </a:effectRef>
+          <a:fontRef idx="minor">
+            <a:schemeClr val="tx1"/>
+          </a:fontRef>
+        </p:style>
+      </p:cxnSp>
+      <p:cxnSp>
+        <p:nvCxnSpPr>
+          <p:cNvPr id="6" name="Elbow Connector 5"/>
+          <p:cNvCxnSpPr/>
+          <p:nvPr/>
+        </p:nvCxnSpPr>
+        <p:spPr>
+          <a:xfrm rot="5400000" flipH="1" flipV="1">
+            <a:off x="5235985" y="1477118"/>
+            <a:ext cx="1143566" cy="702803"/>
+          </a:xfrm>
+          <a:prstGeom prst="bentConnector3">
+            <a:avLst>
+              <a:gd name="adj1" fmla="val 99499"/>
+            </a:avLst>
+          </a:prstGeom>
+          <a:ln w="38100">
+            <a:solidFill>
+              <a:srgbClr val="C00000"/>
+            </a:solidFill>
+            <a:tailEnd type="triangle"/>
+          </a:ln>
+          <a:effectLst/>
+        </p:spPr>
+        <p:style>
+          <a:lnRef idx="1">
+            <a:schemeClr val="accent1"/>
+          </a:lnRef>
+          <a:fillRef idx="0">
+            <a:schemeClr val="accent1"/>
+          </a:fillRef>
+          <a:effectRef idx="0">
+            <a:schemeClr val="accent1"/>
+          </a:effectRef>
+          <a:fontRef idx="minor">
+            <a:schemeClr val="tx1"/>
+          </a:fontRef>
+        </p:style>
+      </p:cxnSp>
+      <p:graphicFrame>
+        <p:nvGraphicFramePr>
+          <p:cNvPr id="69" name="Table 68"/>
+          <p:cNvGraphicFramePr>
+            <a:graphicFrameLocks noGrp="1"/>
+          </p:cNvGraphicFramePr>
+          <p:nvPr>
+            <p:extLst>
+              <p:ext uri="{D42A27DB-BD31-4B8C-83A1-F6EECF244321}">
+                <p14:modId xmlns:p14="http://schemas.microsoft.com/office/powerpoint/2010/main" val="263271790"/>
+              </p:ext>
+            </p:extLst>
+          </p:nvPr>
+        </p:nvGraphicFramePr>
+        <p:xfrm>
+          <a:off x="6078308" y="6948095"/>
+          <a:ext cx="3793831" cy="1483996"/>
+        </p:xfrm>
+        <a:graphic>
+          <a:graphicData uri="http://schemas.openxmlformats.org/drawingml/2006/table">
+            <a:tbl>
+              <a:tblPr>
+                <a:tableStyleId>{5940675A-B579-460E-94D1-54222C63F5DA}</a:tableStyleId>
+              </a:tblPr>
+              <a:tblGrid>
+                <a:gridCol w="1242400">
+                  <a:extLst>
+                    <a:ext uri="{9D8B030D-6E8A-4147-A177-3AD203B41FA5}">
+                      <a16:colId xmlns="" xmlns:a16="http://schemas.microsoft.com/office/drawing/2014/main" val="20000"/>
+                    </a:ext>
+                  </a:extLst>
+                </a:gridCol>
+                <a:gridCol w="1148926">
+                  <a:extLst>
+                    <a:ext uri="{9D8B030D-6E8A-4147-A177-3AD203B41FA5}">
+                      <a16:colId xmlns="" xmlns:a16="http://schemas.microsoft.com/office/drawing/2014/main" val="20001"/>
+                    </a:ext>
+                  </a:extLst>
+                </a:gridCol>
+                <a:gridCol w="1402505">
+                  <a:extLst>
+                    <a:ext uri="{9D8B030D-6E8A-4147-A177-3AD203B41FA5}">
+                      <a16:colId xmlns="" xmlns:a16="http://schemas.microsoft.com/office/drawing/2014/main" val="20002"/>
+                    </a:ext>
+                  </a:extLst>
+                </a:gridCol>
+              </a:tblGrid>
+              <a:tr h="485775">
+                <a:tc gridSpan="3">
+                  <a:txBody>
+                    <a:bodyPr/>
+                    <a:lstStyle/>
+                    <a:p>
+                      <a:pPr marL="0" marR="0" indent="0" algn="ctr" defTabSz="1005840" rtl="0" eaLnBrk="1" fontAlgn="auto" latinLnBrk="0" hangingPunct="1">
+                        <a:lnSpc>
+                          <a:spcPct val="100000"/>
+                        </a:lnSpc>
+                        <a:spcBef>
+                          <a:spcPts val="0"/>
+                        </a:spcBef>
+                        <a:spcAft>
+                          <a:spcPts val="0"/>
+                        </a:spcAft>
+                        <a:buClrTx/>
+                        <a:buSzTx/>
+                        <a:buFontTx/>
+                        <a:buNone/>
+                        <a:tabLst/>
+                        <a:defRPr/>
+                      </a:pPr>
+                      <a:r>
+                        <a:rPr lang="en-IN" sz="2800" dirty="0" smtClean="0">
+                          <a:solidFill>
+                            <a:schemeClr val="tx1"/>
+                          </a:solidFill>
+                          <a:latin typeface="+mn-lt"/>
+                          <a:cs typeface="Times New Roman" panose="02020603050405020304" pitchFamily="18" charset="0"/>
+                        </a:rPr>
+                        <a:t>Reject </a:t>
+                      </a:r>
+                      <a:r>
+                        <a:rPr lang="en-IN" sz="2800" dirty="0" smtClean="0">
+                          <a:solidFill>
+                            <a:schemeClr val="tx1"/>
+                          </a:solidFill>
+                          <a:latin typeface="+mn-lt"/>
+                          <a:cs typeface="Times New Roman" panose="02020603050405020304" pitchFamily="18" charset="0"/>
+                        </a:rPr>
+                        <a:t>Table</a:t>
+                      </a:r>
+                      <a:endParaRPr lang="en-IN" sz="2400" dirty="0" smtClean="0">
+                        <a:solidFill>
+                          <a:schemeClr val="tx1"/>
+                        </a:solidFill>
+                        <a:latin typeface="+mn-lt"/>
+                        <a:cs typeface="Times New Roman" panose="02020603050405020304" pitchFamily="18" charset="0"/>
+                      </a:endParaRPr>
+                    </a:p>
+                  </a:txBody>
+                  <a:tcPr marL="85725" marR="85725" marT="42863" marB="42863">
+                    <a:solidFill>
+                      <a:srgbClr val="FF0000"/>
+                    </a:solidFill>
+                  </a:tcPr>
+                </a:tc>
+                <a:tc hMerge="1">
+                  <a:txBody>
+                    <a:bodyPr/>
+                    <a:lstStyle/>
+                    <a:p>
+                      <a:endParaRPr lang="en-IN" sz="2300" dirty="0"/>
+                    </a:p>
+                  </a:txBody>
+                  <a:tcPr marL="85725" marR="85725" marT="42863" marB="42863"/>
+                </a:tc>
+                <a:tc hMerge="1">
+                  <a:txBody>
+                    <a:bodyPr/>
+                    <a:lstStyle/>
+                    <a:p>
+                      <a:endParaRPr lang="en-IN" sz="2600" dirty="0"/>
+                    </a:p>
+                  </a:txBody>
+                  <a:tcPr marL="85725" marR="85725" marT="42863" marB="42863"/>
+                </a:tc>
+                <a:extLst>
+                  <a:ext uri="{0D108BD9-81ED-4DB2-BD59-A6C34878D82A}">
+                    <a16:rowId xmlns="" xmlns:a16="http://schemas.microsoft.com/office/drawing/2014/main" val="10000"/>
+                  </a:ext>
+                </a:extLst>
+              </a:tr>
+              <a:tr h="485775">
+                <a:tc>
+                  <a:txBody>
+                    <a:bodyPr/>
+                    <a:lstStyle/>
+                    <a:p>
+                      <a:r>
+                        <a:rPr lang="en-IN" sz="2600" dirty="0" smtClean="0">
+                          <a:solidFill>
+                            <a:schemeClr val="tx1"/>
+                          </a:solidFill>
+                          <a:latin typeface="+mn-lt"/>
+                          <a:cs typeface="Times New Roman" panose="02020603050405020304" pitchFamily="18" charset="0"/>
+                        </a:rPr>
+                        <a:t>Index 1</a:t>
+                      </a:r>
+                      <a:endParaRPr lang="en-IN" sz="2300" dirty="0">
+                        <a:solidFill>
+                          <a:schemeClr val="tx1"/>
+                        </a:solidFill>
+                        <a:latin typeface="+mn-lt"/>
+                        <a:cs typeface="Times New Roman" panose="02020603050405020304" pitchFamily="18" charset="0"/>
+                      </a:endParaRPr>
+                    </a:p>
+                  </a:txBody>
+                  <a:tcPr marL="85725" marR="85725" marT="42863" marB="42863">
+                    <a:solidFill>
+                      <a:srgbClr val="FF0000"/>
+                    </a:solidFill>
+                  </a:tcPr>
+                </a:tc>
+                <a:tc>
+                  <a:txBody>
+                    <a:bodyPr/>
+                    <a:lstStyle/>
+                    <a:p>
+                      <a:r>
+                        <a:rPr lang="en-IN" sz="2300" dirty="0" smtClean="0">
+                          <a:solidFill>
+                            <a:schemeClr val="tx1"/>
+                          </a:solidFill>
+                          <a:latin typeface="+mn-lt"/>
+                          <a:cs typeface="Times New Roman" panose="02020603050405020304" pitchFamily="18" charset="0"/>
+                        </a:rPr>
+                        <a:t>…..</a:t>
+                      </a:r>
+                      <a:endParaRPr lang="en-IN" sz="2300" dirty="0">
+                        <a:solidFill>
+                          <a:schemeClr val="tx1"/>
+                        </a:solidFill>
+                        <a:latin typeface="+mn-lt"/>
+                        <a:cs typeface="Times New Roman" panose="02020603050405020304" pitchFamily="18" charset="0"/>
+                      </a:endParaRPr>
+                    </a:p>
+                  </a:txBody>
+                  <a:tcPr marL="85725" marR="85725" marT="42863" marB="42863">
+                    <a:solidFill>
+                      <a:srgbClr val="FF0000"/>
+                    </a:solidFill>
+                  </a:tcPr>
+                </a:tc>
+                <a:tc>
+                  <a:txBody>
+                    <a:bodyPr/>
+                    <a:lstStyle/>
+                    <a:p>
+                      <a:r>
+                        <a:rPr lang="en-IN" sz="2600" dirty="0" smtClean="0">
+                          <a:solidFill>
+                            <a:schemeClr val="tx1"/>
+                          </a:solidFill>
+                          <a:latin typeface="+mn-lt"/>
+                          <a:cs typeface="Times New Roman" panose="02020603050405020304" pitchFamily="18" charset="0"/>
+                        </a:rPr>
+                        <a:t>Index N</a:t>
+                      </a:r>
+                      <a:endParaRPr lang="en-IN" sz="2600" dirty="0">
+                        <a:solidFill>
+                          <a:schemeClr val="tx1"/>
+                        </a:solidFill>
+                        <a:latin typeface="+mn-lt"/>
+                        <a:cs typeface="Times New Roman" panose="02020603050405020304" pitchFamily="18" charset="0"/>
+                      </a:endParaRPr>
+                    </a:p>
+                  </a:txBody>
+                  <a:tcPr marL="85725" marR="85725" marT="42863" marB="42863">
+                    <a:solidFill>
+                      <a:srgbClr val="FF0000"/>
+                    </a:solidFill>
+                  </a:tcPr>
+                </a:tc>
+              </a:tr>
+              <a:tr h="485775">
+                <a:tc>
+                  <a:txBody>
+                    <a:bodyPr/>
+                    <a:lstStyle/>
+                    <a:p>
+                      <a:endParaRPr lang="en-IN" sz="2300" dirty="0">
+                        <a:solidFill>
+                          <a:schemeClr val="tx1"/>
+                        </a:solidFill>
+                        <a:latin typeface="+mn-lt"/>
+                        <a:cs typeface="Times New Roman" panose="02020603050405020304" pitchFamily="18" charset="0"/>
+                      </a:endParaRPr>
+                    </a:p>
+                  </a:txBody>
+                  <a:tcPr marL="85725" marR="85725" marT="42863" marB="42863">
+                    <a:solidFill>
+                      <a:srgbClr val="FF0000"/>
+                    </a:solidFill>
+                  </a:tcPr>
+                </a:tc>
+                <a:tc>
+                  <a:txBody>
+                    <a:bodyPr/>
+                    <a:lstStyle/>
+                    <a:p>
+                      <a:endParaRPr lang="en-IN" sz="2300" dirty="0">
+                        <a:solidFill>
+                          <a:schemeClr val="tx1"/>
+                        </a:solidFill>
+                        <a:latin typeface="+mn-lt"/>
+                        <a:cs typeface="Times New Roman" panose="02020603050405020304" pitchFamily="18" charset="0"/>
+                      </a:endParaRPr>
+                    </a:p>
+                  </a:txBody>
+                  <a:tcPr marL="85725" marR="85725" marT="42863" marB="42863">
+                    <a:solidFill>
+                      <a:srgbClr val="FF0000"/>
+                    </a:solidFill>
+                  </a:tcPr>
+                </a:tc>
+                <a:tc>
+                  <a:txBody>
+                    <a:bodyPr/>
+                    <a:lstStyle/>
+                    <a:p>
+                      <a:endParaRPr lang="en-IN" sz="2600" dirty="0">
+                        <a:solidFill>
+                          <a:schemeClr val="tx1"/>
+                        </a:solidFill>
+                        <a:latin typeface="+mn-lt"/>
+                        <a:cs typeface="Times New Roman" panose="02020603050405020304" pitchFamily="18" charset="0"/>
+                      </a:endParaRPr>
+                    </a:p>
+                  </a:txBody>
+                  <a:tcPr marL="85725" marR="85725" marT="42863" marB="42863">
+                    <a:solidFill>
+                      <a:srgbClr val="FF0000"/>
+                    </a:solidFill>
+                  </a:tcPr>
+                </a:tc>
+              </a:tr>
+            </a:tbl>
+          </a:graphicData>
+        </a:graphic>
+      </p:graphicFrame>
+      <p:graphicFrame>
+        <p:nvGraphicFramePr>
+          <p:cNvPr id="70" name="Table 69"/>
+          <p:cNvGraphicFramePr>
+            <a:graphicFrameLocks noGrp="1"/>
+          </p:cNvGraphicFramePr>
+          <p:nvPr>
+            <p:extLst>
+              <p:ext uri="{D42A27DB-BD31-4B8C-83A1-F6EECF244321}">
+                <p14:modId xmlns:p14="http://schemas.microsoft.com/office/powerpoint/2010/main" val="2186068856"/>
+              </p:ext>
+            </p:extLst>
+          </p:nvPr>
+        </p:nvGraphicFramePr>
+        <p:xfrm>
+          <a:off x="5817761" y="7559807"/>
+          <a:ext cx="3793831" cy="1483996"/>
+        </p:xfrm>
+        <a:graphic>
+          <a:graphicData uri="http://schemas.openxmlformats.org/drawingml/2006/table">
+            <a:tbl>
+              <a:tblPr>
+                <a:tableStyleId>{5940675A-B579-460E-94D1-54222C63F5DA}</a:tableStyleId>
+              </a:tblPr>
+              <a:tblGrid>
+                <a:gridCol w="1242400">
+                  <a:extLst>
+                    <a:ext uri="{9D8B030D-6E8A-4147-A177-3AD203B41FA5}">
+                      <a16:colId xmlns="" xmlns:a16="http://schemas.microsoft.com/office/drawing/2014/main" val="20000"/>
+                    </a:ext>
+                  </a:extLst>
+                </a:gridCol>
+                <a:gridCol w="1148926">
+                  <a:extLst>
+                    <a:ext uri="{9D8B030D-6E8A-4147-A177-3AD203B41FA5}">
+                      <a16:colId xmlns="" xmlns:a16="http://schemas.microsoft.com/office/drawing/2014/main" val="20001"/>
+                    </a:ext>
+                  </a:extLst>
+                </a:gridCol>
+                <a:gridCol w="1402505">
+                  <a:extLst>
+                    <a:ext uri="{9D8B030D-6E8A-4147-A177-3AD203B41FA5}">
+                      <a16:colId xmlns="" xmlns:a16="http://schemas.microsoft.com/office/drawing/2014/main" val="20002"/>
+                    </a:ext>
+                  </a:extLst>
+                </a:gridCol>
+              </a:tblGrid>
+              <a:tr h="485775">
+                <a:tc gridSpan="3">
+                  <a:txBody>
+                    <a:bodyPr/>
+                    <a:lstStyle/>
+                    <a:p>
+                      <a:pPr marL="0" marR="0" indent="0" algn="ctr" defTabSz="1005840" rtl="0" eaLnBrk="1" fontAlgn="auto" latinLnBrk="0" hangingPunct="1">
+                        <a:lnSpc>
+                          <a:spcPct val="100000"/>
+                        </a:lnSpc>
+                        <a:spcBef>
+                          <a:spcPts val="0"/>
+                        </a:spcBef>
+                        <a:spcAft>
+                          <a:spcPts val="0"/>
+                        </a:spcAft>
+                        <a:buClrTx/>
+                        <a:buSzTx/>
+                        <a:buFontTx/>
+                        <a:buNone/>
+                        <a:tabLst/>
+                        <a:defRPr/>
+                      </a:pPr>
+                      <a:r>
+                        <a:rPr lang="en-IN" sz="2800" dirty="0" smtClean="0">
+                          <a:solidFill>
+                            <a:schemeClr val="tx1"/>
+                          </a:solidFill>
+                          <a:latin typeface="+mn-lt"/>
+                          <a:cs typeface="Times New Roman" panose="02020603050405020304" pitchFamily="18" charset="0"/>
+                        </a:rPr>
+                        <a:t>Prefetch Table</a:t>
+                      </a:r>
+                      <a:endParaRPr lang="en-IN" sz="2400" dirty="0" smtClean="0">
+                        <a:solidFill>
+                          <a:schemeClr val="tx1"/>
+                        </a:solidFill>
+                        <a:latin typeface="+mn-lt"/>
+                        <a:cs typeface="Times New Roman" panose="02020603050405020304" pitchFamily="18" charset="0"/>
+                      </a:endParaRPr>
+                    </a:p>
+                  </a:txBody>
+                  <a:tcPr marL="85725" marR="85725" marT="42863" marB="42863">
+                    <a:solidFill>
+                      <a:schemeClr val="bg1"/>
+                    </a:solidFill>
+                  </a:tcPr>
+                </a:tc>
+                <a:tc hMerge="1">
+                  <a:txBody>
+                    <a:bodyPr/>
+                    <a:lstStyle/>
+                    <a:p>
+                      <a:endParaRPr lang="en-IN" sz="2300" dirty="0"/>
+                    </a:p>
+                  </a:txBody>
+                  <a:tcPr marL="85725" marR="85725" marT="42863" marB="42863"/>
+                </a:tc>
+                <a:tc hMerge="1">
+                  <a:txBody>
+                    <a:bodyPr/>
+                    <a:lstStyle/>
+                    <a:p>
+                      <a:endParaRPr lang="en-IN" sz="2600" dirty="0"/>
+                    </a:p>
+                  </a:txBody>
+                  <a:tcPr marL="85725" marR="85725" marT="42863" marB="42863"/>
+                </a:tc>
+                <a:extLst>
+                  <a:ext uri="{0D108BD9-81ED-4DB2-BD59-A6C34878D82A}">
+                    <a16:rowId xmlns="" xmlns:a16="http://schemas.microsoft.com/office/drawing/2014/main" val="10000"/>
+                  </a:ext>
+                </a:extLst>
+              </a:tr>
+              <a:tr h="485775">
+                <a:tc>
+                  <a:txBody>
+                    <a:bodyPr/>
+                    <a:lstStyle/>
+                    <a:p>
+                      <a:r>
+                        <a:rPr lang="en-IN" sz="2600" dirty="0" smtClean="0">
+                          <a:solidFill>
+                            <a:schemeClr val="tx1"/>
+                          </a:solidFill>
+                          <a:latin typeface="+mn-lt"/>
+                          <a:cs typeface="Times New Roman" panose="02020603050405020304" pitchFamily="18" charset="0"/>
+                        </a:rPr>
+                        <a:t>Index 1</a:t>
+                      </a:r>
+                      <a:endParaRPr lang="en-IN" sz="2300" dirty="0">
+                        <a:solidFill>
+                          <a:schemeClr val="tx1"/>
+                        </a:solidFill>
+                        <a:latin typeface="+mn-lt"/>
+                        <a:cs typeface="Times New Roman" panose="02020603050405020304" pitchFamily="18" charset="0"/>
+                      </a:endParaRPr>
+                    </a:p>
+                  </a:txBody>
+                  <a:tcPr marL="85725" marR="85725" marT="42863" marB="42863">
+                    <a:solidFill>
+                      <a:schemeClr val="bg1"/>
+                    </a:solidFill>
+                  </a:tcPr>
+                </a:tc>
+                <a:tc>
+                  <a:txBody>
+                    <a:bodyPr/>
+                    <a:lstStyle/>
+                    <a:p>
+                      <a:r>
+                        <a:rPr lang="en-IN" sz="2300" dirty="0" smtClean="0">
+                          <a:solidFill>
+                            <a:schemeClr val="tx1"/>
+                          </a:solidFill>
+                          <a:latin typeface="+mn-lt"/>
+                          <a:cs typeface="Times New Roman" panose="02020603050405020304" pitchFamily="18" charset="0"/>
+                        </a:rPr>
+                        <a:t>…..</a:t>
+                      </a:r>
+                      <a:endParaRPr lang="en-IN" sz="2300" dirty="0">
+                        <a:solidFill>
+                          <a:schemeClr val="tx1"/>
+                        </a:solidFill>
+                        <a:latin typeface="+mn-lt"/>
+                        <a:cs typeface="Times New Roman" panose="02020603050405020304" pitchFamily="18" charset="0"/>
+                      </a:endParaRPr>
+                    </a:p>
+                  </a:txBody>
+                  <a:tcPr marL="85725" marR="85725" marT="42863" marB="42863">
+                    <a:solidFill>
+                      <a:schemeClr val="bg1"/>
+                    </a:solidFill>
+                  </a:tcPr>
+                </a:tc>
+                <a:tc>
+                  <a:txBody>
+                    <a:bodyPr/>
+                    <a:lstStyle/>
+                    <a:p>
+                      <a:r>
+                        <a:rPr lang="en-IN" sz="2600" dirty="0" smtClean="0">
+                          <a:solidFill>
+                            <a:schemeClr val="tx1"/>
+                          </a:solidFill>
+                          <a:latin typeface="+mn-lt"/>
+                          <a:cs typeface="Times New Roman" panose="02020603050405020304" pitchFamily="18" charset="0"/>
+                        </a:rPr>
+                        <a:t>Index N</a:t>
+                      </a:r>
+                      <a:endParaRPr lang="en-IN" sz="2600" dirty="0">
+                        <a:solidFill>
+                          <a:schemeClr val="tx1"/>
+                        </a:solidFill>
+                        <a:latin typeface="+mn-lt"/>
+                        <a:cs typeface="Times New Roman" panose="02020603050405020304" pitchFamily="18" charset="0"/>
+                      </a:endParaRPr>
+                    </a:p>
+                  </a:txBody>
+                  <a:tcPr marL="85725" marR="85725" marT="42863" marB="42863">
+                    <a:solidFill>
+                      <a:schemeClr val="bg1"/>
+                    </a:solidFill>
+                  </a:tcPr>
+                </a:tc>
+              </a:tr>
+              <a:tr h="485775">
+                <a:tc>
+                  <a:txBody>
+                    <a:bodyPr/>
+                    <a:lstStyle/>
+                    <a:p>
+                      <a:endParaRPr lang="en-IN" sz="2300" dirty="0">
+                        <a:solidFill>
+                          <a:schemeClr val="tx1"/>
+                        </a:solidFill>
+                        <a:latin typeface="+mn-lt"/>
+                        <a:cs typeface="Times New Roman" panose="02020603050405020304" pitchFamily="18" charset="0"/>
+                      </a:endParaRPr>
+                    </a:p>
+                  </a:txBody>
+                  <a:tcPr marL="85725" marR="85725" marT="42863" marB="42863">
+                    <a:solidFill>
+                      <a:schemeClr val="bg1"/>
+                    </a:solidFill>
+                  </a:tcPr>
+                </a:tc>
+                <a:tc>
+                  <a:txBody>
+                    <a:bodyPr/>
+                    <a:lstStyle/>
+                    <a:p>
+                      <a:endParaRPr lang="en-IN" sz="2300" dirty="0">
+                        <a:solidFill>
+                          <a:schemeClr val="tx1"/>
+                        </a:solidFill>
+                        <a:latin typeface="+mn-lt"/>
+                        <a:cs typeface="Times New Roman" panose="02020603050405020304" pitchFamily="18" charset="0"/>
+                      </a:endParaRPr>
+                    </a:p>
+                  </a:txBody>
+                  <a:tcPr marL="85725" marR="85725" marT="42863" marB="42863">
+                    <a:solidFill>
+                      <a:schemeClr val="bg1"/>
+                    </a:solidFill>
+                  </a:tcPr>
+                </a:tc>
+                <a:tc>
+                  <a:txBody>
+                    <a:bodyPr/>
+                    <a:lstStyle/>
+                    <a:p>
+                      <a:endParaRPr lang="en-IN" sz="2600" dirty="0">
+                        <a:solidFill>
+                          <a:schemeClr val="tx1"/>
+                        </a:solidFill>
+                        <a:latin typeface="+mn-lt"/>
+                        <a:cs typeface="Times New Roman" panose="02020603050405020304" pitchFamily="18" charset="0"/>
+                      </a:endParaRPr>
+                    </a:p>
+                  </a:txBody>
+                  <a:tcPr marL="85725" marR="85725" marT="42863" marB="42863">
+                    <a:solidFill>
+                      <a:schemeClr val="bg1"/>
+                    </a:solidFill>
+                  </a:tcPr>
+                </a:tc>
+              </a:tr>
+            </a:tbl>
+          </a:graphicData>
+        </a:graphic>
+      </p:graphicFrame>
+      <p:cxnSp>
+        <p:nvCxnSpPr>
+          <p:cNvPr id="14" name="Elbow Connector 13"/>
+          <p:cNvCxnSpPr/>
+          <p:nvPr/>
+        </p:nvCxnSpPr>
+        <p:spPr>
+          <a:xfrm rot="10800000" flipV="1">
+            <a:off x="5200415" y="7184571"/>
+            <a:ext cx="882432" cy="829630"/>
+          </a:xfrm>
+          <a:prstGeom prst="bentConnector3">
+            <a:avLst>
+              <a:gd name="adj1" fmla="val 100989"/>
+            </a:avLst>
+          </a:prstGeom>
+          <a:ln w="38100">
+            <a:solidFill>
+              <a:srgbClr val="C00000"/>
             </a:solidFill>
             <a:tailEnd type="triangle"/>
           </a:ln>

--- a/figures/Datapath_Separate.pptx
+++ b/figures/Datapath_Separate.pptx
@@ -243,7 +243,7 @@
           <a:p>
             <a:fld id="{52B8D9F6-4451-40AE-B207-4B50218968CE}" type="datetimeFigureOut">
               <a:rPr lang="en-IN" smtClean="0"/>
-              <a:t>30-03-2019</a:t>
+              <a:t>17-04-2019</a:t>
             </a:fld>
             <a:endParaRPr lang="en-IN"/>
           </a:p>
@@ -413,7 +413,7 @@
           <a:p>
             <a:fld id="{52B8D9F6-4451-40AE-B207-4B50218968CE}" type="datetimeFigureOut">
               <a:rPr lang="en-IN" smtClean="0"/>
-              <a:t>30-03-2019</a:t>
+              <a:t>17-04-2019</a:t>
             </a:fld>
             <a:endParaRPr lang="en-IN"/>
           </a:p>
@@ -593,7 +593,7 @@
           <a:p>
             <a:fld id="{52B8D9F6-4451-40AE-B207-4B50218968CE}" type="datetimeFigureOut">
               <a:rPr lang="en-IN" smtClean="0"/>
-              <a:t>30-03-2019</a:t>
+              <a:t>17-04-2019</a:t>
             </a:fld>
             <a:endParaRPr lang="en-IN"/>
           </a:p>
@@ -763,7 +763,7 @@
           <a:p>
             <a:fld id="{52B8D9F6-4451-40AE-B207-4B50218968CE}" type="datetimeFigureOut">
               <a:rPr lang="en-IN" smtClean="0"/>
-              <a:t>30-03-2019</a:t>
+              <a:t>17-04-2019</a:t>
             </a:fld>
             <a:endParaRPr lang="en-IN"/>
           </a:p>
@@ -1007,7 +1007,7 @@
           <a:p>
             <a:fld id="{52B8D9F6-4451-40AE-B207-4B50218968CE}" type="datetimeFigureOut">
               <a:rPr lang="en-IN" smtClean="0"/>
-              <a:t>30-03-2019</a:t>
+              <a:t>17-04-2019</a:t>
             </a:fld>
             <a:endParaRPr lang="en-IN"/>
           </a:p>
@@ -1239,7 +1239,7 @@
           <a:p>
             <a:fld id="{52B8D9F6-4451-40AE-B207-4B50218968CE}" type="datetimeFigureOut">
               <a:rPr lang="en-IN" smtClean="0"/>
-              <a:t>30-03-2019</a:t>
+              <a:t>17-04-2019</a:t>
             </a:fld>
             <a:endParaRPr lang="en-IN"/>
           </a:p>
@@ -1606,7 +1606,7 @@
           <a:p>
             <a:fld id="{52B8D9F6-4451-40AE-B207-4B50218968CE}" type="datetimeFigureOut">
               <a:rPr lang="en-IN" smtClean="0"/>
-              <a:t>30-03-2019</a:t>
+              <a:t>17-04-2019</a:t>
             </a:fld>
             <a:endParaRPr lang="en-IN"/>
           </a:p>
@@ -1724,7 +1724,7 @@
           <a:p>
             <a:fld id="{52B8D9F6-4451-40AE-B207-4B50218968CE}" type="datetimeFigureOut">
               <a:rPr lang="en-IN" smtClean="0"/>
-              <a:t>30-03-2019</a:t>
+              <a:t>17-04-2019</a:t>
             </a:fld>
             <a:endParaRPr lang="en-IN"/>
           </a:p>
@@ -1819,7 +1819,7 @@
           <a:p>
             <a:fld id="{52B8D9F6-4451-40AE-B207-4B50218968CE}" type="datetimeFigureOut">
               <a:rPr lang="en-IN" smtClean="0"/>
-              <a:t>30-03-2019</a:t>
+              <a:t>17-04-2019</a:t>
             </a:fld>
             <a:endParaRPr lang="en-IN"/>
           </a:p>
@@ -2096,7 +2096,7 @@
           <a:p>
             <a:fld id="{52B8D9F6-4451-40AE-B207-4B50218968CE}" type="datetimeFigureOut">
               <a:rPr lang="en-IN" smtClean="0"/>
-              <a:t>30-03-2019</a:t>
+              <a:t>17-04-2019</a:t>
             </a:fld>
             <a:endParaRPr lang="en-IN"/>
           </a:p>
@@ -2353,7 +2353,7 @@
           <a:p>
             <a:fld id="{52B8D9F6-4451-40AE-B207-4B50218968CE}" type="datetimeFigureOut">
               <a:rPr lang="en-IN" smtClean="0"/>
-              <a:t>30-03-2019</a:t>
+              <a:t>17-04-2019</a:t>
             </a:fld>
             <a:endParaRPr lang="en-IN"/>
           </a:p>
@@ -2566,7 +2566,7 @@
           <a:p>
             <a:fld id="{52B8D9F6-4451-40AE-B207-4B50218968CE}" type="datetimeFigureOut">
               <a:rPr lang="en-IN" smtClean="0"/>
-              <a:t>30-03-2019</a:t>
+              <a:t>17-04-2019</a:t>
             </a:fld>
             <a:endParaRPr lang="en-IN"/>
           </a:p>
@@ -2980,7 +2980,7 @@
           <p:nvPr>
             <p:extLst>
               <p:ext uri="{D42A27DB-BD31-4B8C-83A1-F6EECF244321}">
-                <p14:modId xmlns:p14="http://schemas.microsoft.com/office/powerpoint/2010/main" val="2190544911"/>
+                <p14:modId xmlns:p14="http://schemas.microsoft.com/office/powerpoint/2010/main" val="3280726957"/>
               </p:ext>
             </p:extLst>
           </p:nvPr>
@@ -3049,17 +3049,7 @@
                           <a:latin typeface="+mn-lt"/>
                           <a:cs typeface="Times New Roman" panose="02020603050405020304" pitchFamily="18" charset="0"/>
                         </a:rPr>
-                        <a:t>Reject </a:t>
-                      </a:r>
-                      <a:r>
-                        <a:rPr lang="en-IN" sz="2800" dirty="0" smtClean="0">
-                          <a:solidFill>
-                            <a:schemeClr val="tx1"/>
-                          </a:solidFill>
-                          <a:latin typeface="+mn-lt"/>
-                          <a:cs typeface="Times New Roman" panose="02020603050405020304" pitchFamily="18" charset="0"/>
-                        </a:rPr>
-                        <a:t>Table</a:t>
+                        <a:t>Reject Table</a:t>
                       </a:r>
                       <a:endParaRPr lang="en-IN" sz="2400" dirty="0" smtClean="0">
                         <a:solidFill>
@@ -3071,17 +3061,41 @@
                     </a:p>
                   </a:txBody>
                   <a:tcPr marL="85725" marR="85725" marT="42863" marB="42863">
-                    <a:lnL w="12700" cmpd="sng">
-                      <a:noFill/>
+                    <a:lnL w="12700" cap="flat" cmpd="sng" algn="ctr">
+                      <a:solidFill>
+                        <a:schemeClr val="tx1"/>
+                      </a:solidFill>
+                      <a:prstDash val="solid"/>
+                      <a:round/>
+                      <a:headEnd type="none" w="med" len="med"/>
+                      <a:tailEnd type="none" w="med" len="med"/>
                     </a:lnL>
-                    <a:lnR w="12700" cmpd="sng">
-                      <a:noFill/>
+                    <a:lnR w="12700" cap="flat" cmpd="sng" algn="ctr">
+                      <a:solidFill>
+                        <a:schemeClr val="tx1"/>
+                      </a:solidFill>
+                      <a:prstDash val="solid"/>
+                      <a:round/>
+                      <a:headEnd type="none" w="med" len="med"/>
+                      <a:tailEnd type="none" w="med" len="med"/>
                     </a:lnR>
-                    <a:lnT w="12700" cmpd="sng">
-                      <a:noFill/>
+                    <a:lnT w="12700" cap="flat" cmpd="sng" algn="ctr">
+                      <a:solidFill>
+                        <a:schemeClr val="tx1"/>
+                      </a:solidFill>
+                      <a:prstDash val="solid"/>
+                      <a:round/>
+                      <a:headEnd type="none" w="med" len="med"/>
+                      <a:tailEnd type="none" w="med" len="med"/>
                     </a:lnT>
-                    <a:lnB w="12700" cmpd="sng">
-                      <a:noFill/>
+                    <a:lnB w="12700" cap="flat" cmpd="sng" algn="ctr">
+                      <a:solidFill>
+                        <a:schemeClr val="tx1"/>
+                      </a:solidFill>
+                      <a:prstDash val="solid"/>
+                      <a:round/>
+                      <a:headEnd type="none" w="med" len="med"/>
+                      <a:tailEnd type="none" w="med" len="med"/>
                     </a:lnB>
                     <a:lnTlToBr w="12700" cmpd="sng">
                       <a:noFill/>
@@ -3091,9 +3105,7 @@
                       <a:noFill/>
                       <a:prstDash val="solid"/>
                     </a:lnBlToTr>
-                    <a:solidFill>
-                      <a:srgbClr val="FF0000"/>
-                    </a:solidFill>
+                    <a:noFill/>
                   </a:tcPr>
                 </a:tc>
                 <a:tc hMerge="1">
@@ -3148,17 +3160,41 @@
                     </a:p>
                   </a:txBody>
                   <a:tcPr marL="85725" marR="85725" marT="42863" marB="42863">
-                    <a:lnL w="12700" cmpd="sng">
-                      <a:noFill/>
+                    <a:lnL w="12700" cap="flat" cmpd="sng" algn="ctr">
+                      <a:solidFill>
+                        <a:schemeClr val="tx1"/>
+                      </a:solidFill>
+                      <a:prstDash val="solid"/>
+                      <a:round/>
+                      <a:headEnd type="none" w="med" len="med"/>
+                      <a:tailEnd type="none" w="med" len="med"/>
                     </a:lnL>
-                    <a:lnR w="12700" cmpd="sng">
-                      <a:noFill/>
+                    <a:lnR w="12700" cap="flat" cmpd="sng" algn="ctr">
+                      <a:solidFill>
+                        <a:schemeClr val="tx1"/>
+                      </a:solidFill>
+                      <a:prstDash val="solid"/>
+                      <a:round/>
+                      <a:headEnd type="none" w="med" len="med"/>
+                      <a:tailEnd type="none" w="med" len="med"/>
                     </a:lnR>
-                    <a:lnT w="12700" cmpd="sng">
-                      <a:noFill/>
+                    <a:lnT w="12700" cap="flat" cmpd="sng" algn="ctr">
+                      <a:solidFill>
+                        <a:schemeClr val="tx1"/>
+                      </a:solidFill>
+                      <a:prstDash val="solid"/>
+                      <a:round/>
+                      <a:headEnd type="none" w="med" len="med"/>
+                      <a:tailEnd type="none" w="med" len="med"/>
                     </a:lnT>
-                    <a:lnB w="12700" cmpd="sng">
-                      <a:noFill/>
+                    <a:lnB w="12700" cap="flat" cmpd="sng" algn="ctr">
+                      <a:solidFill>
+                        <a:schemeClr val="tx1"/>
+                      </a:solidFill>
+                      <a:prstDash val="solid"/>
+                      <a:round/>
+                      <a:headEnd type="none" w="med" len="med"/>
+                      <a:tailEnd type="none" w="med" len="med"/>
                     </a:lnB>
                     <a:lnTlToBr w="12700" cmpd="sng">
                       <a:noFill/>
@@ -3168,9 +3204,7 @@
                       <a:noFill/>
                       <a:prstDash val="solid"/>
                     </a:lnBlToTr>
-                    <a:solidFill>
-                      <a:srgbClr val="FF0000"/>
-                    </a:solidFill>
+                    <a:noFill/>
                   </a:tcPr>
                 </a:tc>
                 <a:tc>
@@ -3198,17 +3232,41 @@
                     </a:p>
                   </a:txBody>
                   <a:tcPr marL="85725" marR="85725" marT="42863" marB="42863">
-                    <a:lnL w="12700" cmpd="sng">
-                      <a:noFill/>
+                    <a:lnL w="12700" cap="flat" cmpd="sng" algn="ctr">
+                      <a:solidFill>
+                        <a:schemeClr val="tx1"/>
+                      </a:solidFill>
+                      <a:prstDash val="solid"/>
+                      <a:round/>
+                      <a:headEnd type="none" w="med" len="med"/>
+                      <a:tailEnd type="none" w="med" len="med"/>
                     </a:lnL>
-                    <a:lnR w="12700" cmpd="sng">
-                      <a:noFill/>
+                    <a:lnR w="12700" cap="flat" cmpd="sng" algn="ctr">
+                      <a:solidFill>
+                        <a:schemeClr val="tx1"/>
+                      </a:solidFill>
+                      <a:prstDash val="solid"/>
+                      <a:round/>
+                      <a:headEnd type="none" w="med" len="med"/>
+                      <a:tailEnd type="none" w="med" len="med"/>
                     </a:lnR>
-                    <a:lnT w="12700" cmpd="sng">
-                      <a:noFill/>
+                    <a:lnT w="12700" cap="flat" cmpd="sng" algn="ctr">
+                      <a:solidFill>
+                        <a:schemeClr val="tx1"/>
+                      </a:solidFill>
+                      <a:prstDash val="solid"/>
+                      <a:round/>
+                      <a:headEnd type="none" w="med" len="med"/>
+                      <a:tailEnd type="none" w="med" len="med"/>
                     </a:lnT>
-                    <a:lnB w="12700" cmpd="sng">
-                      <a:noFill/>
+                    <a:lnB w="12700" cap="flat" cmpd="sng" algn="ctr">
+                      <a:solidFill>
+                        <a:schemeClr val="tx1"/>
+                      </a:solidFill>
+                      <a:prstDash val="solid"/>
+                      <a:round/>
+                      <a:headEnd type="none" w="med" len="med"/>
+                      <a:tailEnd type="none" w="med" len="med"/>
                     </a:lnB>
                     <a:lnTlToBr w="12700" cmpd="sng">
                       <a:noFill/>
@@ -3218,9 +3276,7 @@
                       <a:noFill/>
                       <a:prstDash val="solid"/>
                     </a:lnBlToTr>
-                    <a:solidFill>
-                      <a:srgbClr val="FF0000"/>
-                    </a:solidFill>
+                    <a:noFill/>
                   </a:tcPr>
                 </a:tc>
                 <a:tc>
@@ -3248,17 +3304,41 @@
                     </a:p>
                   </a:txBody>
                   <a:tcPr marL="85725" marR="85725" marT="42863" marB="42863">
-                    <a:lnL w="12700" cmpd="sng">
-                      <a:noFill/>
+                    <a:lnL w="12700" cap="flat" cmpd="sng" algn="ctr">
+                      <a:solidFill>
+                        <a:schemeClr val="tx1"/>
+                      </a:solidFill>
+                      <a:prstDash val="solid"/>
+                      <a:round/>
+                      <a:headEnd type="none" w="med" len="med"/>
+                      <a:tailEnd type="none" w="med" len="med"/>
                     </a:lnL>
-                    <a:lnR w="12700" cmpd="sng">
-                      <a:noFill/>
+                    <a:lnR w="12700" cap="flat" cmpd="sng" algn="ctr">
+                      <a:solidFill>
+                        <a:schemeClr val="tx1"/>
+                      </a:solidFill>
+                      <a:prstDash val="solid"/>
+                      <a:round/>
+                      <a:headEnd type="none" w="med" len="med"/>
+                      <a:tailEnd type="none" w="med" len="med"/>
                     </a:lnR>
-                    <a:lnT w="12700" cmpd="sng">
-                      <a:noFill/>
+                    <a:lnT w="12700" cap="flat" cmpd="sng" algn="ctr">
+                      <a:solidFill>
+                        <a:schemeClr val="tx1"/>
+                      </a:solidFill>
+                      <a:prstDash val="solid"/>
+                      <a:round/>
+                      <a:headEnd type="none" w="med" len="med"/>
+                      <a:tailEnd type="none" w="med" len="med"/>
                     </a:lnT>
-                    <a:lnB w="12700" cmpd="sng">
-                      <a:noFill/>
+                    <a:lnB w="12700" cap="flat" cmpd="sng" algn="ctr">
+                      <a:solidFill>
+                        <a:schemeClr val="tx1"/>
+                      </a:solidFill>
+                      <a:prstDash val="solid"/>
+                      <a:round/>
+                      <a:headEnd type="none" w="med" len="med"/>
+                      <a:tailEnd type="none" w="med" len="med"/>
                     </a:lnB>
                     <a:lnTlToBr w="12700" cmpd="sng">
                       <a:noFill/>
@@ -3268,9 +3348,7 @@
                       <a:noFill/>
                       <a:prstDash val="solid"/>
                     </a:lnBlToTr>
-                    <a:solidFill>
-                      <a:srgbClr val="FF0000"/>
-                    </a:solidFill>
+                    <a:noFill/>
                   </a:tcPr>
                 </a:tc>
               </a:tr>
@@ -3290,17 +3368,41 @@
                     </a:p>
                   </a:txBody>
                   <a:tcPr marL="85725" marR="85725" marT="42863" marB="42863">
-                    <a:lnL w="12700" cmpd="sng">
-                      <a:noFill/>
+                    <a:lnL w="12700" cap="flat" cmpd="sng" algn="ctr">
+                      <a:solidFill>
+                        <a:schemeClr val="tx1"/>
+                      </a:solidFill>
+                      <a:prstDash val="solid"/>
+                      <a:round/>
+                      <a:headEnd type="none" w="med" len="med"/>
+                      <a:tailEnd type="none" w="med" len="med"/>
                     </a:lnL>
-                    <a:lnR w="12700" cmpd="sng">
-                      <a:noFill/>
+                    <a:lnR w="12700" cap="flat" cmpd="sng" algn="ctr">
+                      <a:solidFill>
+                        <a:schemeClr val="tx1"/>
+                      </a:solidFill>
+                      <a:prstDash val="solid"/>
+                      <a:round/>
+                      <a:headEnd type="none" w="med" len="med"/>
+                      <a:tailEnd type="none" w="med" len="med"/>
                     </a:lnR>
-                    <a:lnT w="12700" cmpd="sng">
-                      <a:noFill/>
+                    <a:lnT w="12700" cap="flat" cmpd="sng" algn="ctr">
+                      <a:solidFill>
+                        <a:schemeClr val="tx1"/>
+                      </a:solidFill>
+                      <a:prstDash val="solid"/>
+                      <a:round/>
+                      <a:headEnd type="none" w="med" len="med"/>
+                      <a:tailEnd type="none" w="med" len="med"/>
                     </a:lnT>
-                    <a:lnB w="12700" cmpd="sng">
-                      <a:noFill/>
+                    <a:lnB w="12700" cap="flat" cmpd="sng" algn="ctr">
+                      <a:solidFill>
+                        <a:schemeClr val="tx1"/>
+                      </a:solidFill>
+                      <a:prstDash val="solid"/>
+                      <a:round/>
+                      <a:headEnd type="none" w="med" len="med"/>
+                      <a:tailEnd type="none" w="med" len="med"/>
                     </a:lnB>
                     <a:lnTlToBr w="12700" cmpd="sng">
                       <a:noFill/>
@@ -3310,9 +3412,7 @@
                       <a:noFill/>
                       <a:prstDash val="solid"/>
                     </a:lnBlToTr>
-                    <a:solidFill>
-                      <a:srgbClr val="FF0000"/>
-                    </a:solidFill>
+                    <a:noFill/>
                   </a:tcPr>
                 </a:tc>
                 <a:tc>
@@ -3330,17 +3430,41 @@
                     </a:p>
                   </a:txBody>
                   <a:tcPr marL="85725" marR="85725" marT="42863" marB="42863">
-                    <a:lnL w="12700" cmpd="sng">
-                      <a:noFill/>
+                    <a:lnL w="12700" cap="flat" cmpd="sng" algn="ctr">
+                      <a:solidFill>
+                        <a:schemeClr val="tx1"/>
+                      </a:solidFill>
+                      <a:prstDash val="solid"/>
+                      <a:round/>
+                      <a:headEnd type="none" w="med" len="med"/>
+                      <a:tailEnd type="none" w="med" len="med"/>
                     </a:lnL>
-                    <a:lnR w="12700" cmpd="sng">
-                      <a:noFill/>
+                    <a:lnR w="12700" cap="flat" cmpd="sng" algn="ctr">
+                      <a:solidFill>
+                        <a:schemeClr val="tx1"/>
+                      </a:solidFill>
+                      <a:prstDash val="solid"/>
+                      <a:round/>
+                      <a:headEnd type="none" w="med" len="med"/>
+                      <a:tailEnd type="none" w="med" len="med"/>
                     </a:lnR>
-                    <a:lnT w="12700" cmpd="sng">
-                      <a:noFill/>
+                    <a:lnT w="12700" cap="flat" cmpd="sng" algn="ctr">
+                      <a:solidFill>
+                        <a:schemeClr val="tx1"/>
+                      </a:solidFill>
+                      <a:prstDash val="solid"/>
+                      <a:round/>
+                      <a:headEnd type="none" w="med" len="med"/>
+                      <a:tailEnd type="none" w="med" len="med"/>
                     </a:lnT>
-                    <a:lnB w="12700" cmpd="sng">
-                      <a:noFill/>
+                    <a:lnB w="12700" cap="flat" cmpd="sng" algn="ctr">
+                      <a:solidFill>
+                        <a:schemeClr val="tx1"/>
+                      </a:solidFill>
+                      <a:prstDash val="solid"/>
+                      <a:round/>
+                      <a:headEnd type="none" w="med" len="med"/>
+                      <a:tailEnd type="none" w="med" len="med"/>
                     </a:lnB>
                     <a:lnTlToBr w="12700" cmpd="sng">
                       <a:noFill/>
@@ -3350,9 +3474,7 @@
                       <a:noFill/>
                       <a:prstDash val="solid"/>
                     </a:lnBlToTr>
-                    <a:solidFill>
-                      <a:srgbClr val="FF0000"/>
-                    </a:solidFill>
+                    <a:noFill/>
                   </a:tcPr>
                 </a:tc>
                 <a:tc>
@@ -3370,17 +3492,41 @@
                     </a:p>
                   </a:txBody>
                   <a:tcPr marL="85725" marR="85725" marT="42863" marB="42863">
-                    <a:lnL w="12700" cmpd="sng">
-                      <a:noFill/>
+                    <a:lnL w="12700" cap="flat" cmpd="sng" algn="ctr">
+                      <a:solidFill>
+                        <a:schemeClr val="tx1"/>
+                      </a:solidFill>
+                      <a:prstDash val="solid"/>
+                      <a:round/>
+                      <a:headEnd type="none" w="med" len="med"/>
+                      <a:tailEnd type="none" w="med" len="med"/>
                     </a:lnL>
-                    <a:lnR w="12700" cmpd="sng">
-                      <a:noFill/>
+                    <a:lnR w="12700" cap="flat" cmpd="sng" algn="ctr">
+                      <a:solidFill>
+                        <a:schemeClr val="tx1"/>
+                      </a:solidFill>
+                      <a:prstDash val="solid"/>
+                      <a:round/>
+                      <a:headEnd type="none" w="med" len="med"/>
+                      <a:tailEnd type="none" w="med" len="med"/>
                     </a:lnR>
-                    <a:lnT w="12700" cmpd="sng">
-                      <a:noFill/>
+                    <a:lnT w="12700" cap="flat" cmpd="sng" algn="ctr">
+                      <a:solidFill>
+                        <a:schemeClr val="tx1"/>
+                      </a:solidFill>
+                      <a:prstDash val="solid"/>
+                      <a:round/>
+                      <a:headEnd type="none" w="med" len="med"/>
+                      <a:tailEnd type="none" w="med" len="med"/>
                     </a:lnT>
-                    <a:lnB w="12700" cmpd="sng">
-                      <a:noFill/>
+                    <a:lnB w="12700" cap="flat" cmpd="sng" algn="ctr">
+                      <a:solidFill>
+                        <a:schemeClr val="tx1"/>
+                      </a:solidFill>
+                      <a:prstDash val="solid"/>
+                      <a:round/>
+                      <a:headEnd type="none" w="med" len="med"/>
+                      <a:tailEnd type="none" w="med" len="med"/>
                     </a:lnB>
                     <a:lnTlToBr w="12700" cmpd="sng">
                       <a:noFill/>
@@ -3390,9 +3536,7 @@
                       <a:noFill/>
                       <a:prstDash val="solid"/>
                     </a:lnBlToTr>
-                    <a:solidFill>
-                      <a:srgbClr val="FF0000"/>
-                    </a:solidFill>
+                    <a:noFill/>
                   </a:tcPr>
                 </a:tc>
               </a:tr>
@@ -6521,7 +6665,7 @@
           </a:prstGeom>
           <a:ln w="38100">
             <a:solidFill>
-              <a:srgbClr val="C00000"/>
+              <a:schemeClr val="tx1"/>
             </a:solidFill>
             <a:tailEnd type="triangle"/>
           </a:ln>
@@ -6551,7 +6695,7 @@
           <p:nvPr>
             <p:extLst>
               <p:ext uri="{D42A27DB-BD31-4B8C-83A1-F6EECF244321}">
-                <p14:modId xmlns:p14="http://schemas.microsoft.com/office/powerpoint/2010/main" val="263271790"/>
+                <p14:modId xmlns:p14="http://schemas.microsoft.com/office/powerpoint/2010/main" val="1378172655"/>
               </p:ext>
             </p:extLst>
           </p:nvPr>
@@ -6620,17 +6764,7 @@
                           <a:latin typeface="+mn-lt"/>
                           <a:cs typeface="Times New Roman" panose="02020603050405020304" pitchFamily="18" charset="0"/>
                         </a:rPr>
-                        <a:t>Reject </a:t>
-                      </a:r>
-                      <a:r>
-                        <a:rPr lang="en-IN" sz="2800" dirty="0" smtClean="0">
-                          <a:solidFill>
-                            <a:schemeClr val="tx1"/>
-                          </a:solidFill>
-                          <a:latin typeface="+mn-lt"/>
-                          <a:cs typeface="Times New Roman" panose="02020603050405020304" pitchFamily="18" charset="0"/>
-                        </a:rPr>
-                        <a:t>Table</a:t>
+                        <a:t>Reject Table</a:t>
                       </a:r>
                       <a:endParaRPr lang="en-IN" sz="2400" dirty="0" smtClean="0">
                         <a:solidFill>
@@ -6642,9 +6776,7 @@
                     </a:p>
                   </a:txBody>
                   <a:tcPr marL="85725" marR="85725" marT="42863" marB="42863">
-                    <a:solidFill>
-                      <a:srgbClr val="FF0000"/>
-                    </a:solidFill>
+                    <a:noFill/>
                   </a:tcPr>
                 </a:tc>
                 <a:tc hMerge="1">
@@ -6699,9 +6831,7 @@
                     </a:p>
                   </a:txBody>
                   <a:tcPr marL="85725" marR="85725" marT="42863" marB="42863">
-                    <a:solidFill>
-                      <a:srgbClr val="FF0000"/>
-                    </a:solidFill>
+                    <a:noFill/>
                   </a:tcPr>
                 </a:tc>
                 <a:tc>
@@ -6729,9 +6859,7 @@
                     </a:p>
                   </a:txBody>
                   <a:tcPr marL="85725" marR="85725" marT="42863" marB="42863">
-                    <a:solidFill>
-                      <a:srgbClr val="FF0000"/>
-                    </a:solidFill>
+                    <a:noFill/>
                   </a:tcPr>
                 </a:tc>
                 <a:tc>
@@ -6759,9 +6887,7 @@
                     </a:p>
                   </a:txBody>
                   <a:tcPr marL="85725" marR="85725" marT="42863" marB="42863">
-                    <a:solidFill>
-                      <a:srgbClr val="FF0000"/>
-                    </a:solidFill>
+                    <a:noFill/>
                   </a:tcPr>
                 </a:tc>
               </a:tr>
@@ -6781,9 +6907,7 @@
                     </a:p>
                   </a:txBody>
                   <a:tcPr marL="85725" marR="85725" marT="42863" marB="42863">
-                    <a:solidFill>
-                      <a:srgbClr val="FF0000"/>
-                    </a:solidFill>
+                    <a:noFill/>
                   </a:tcPr>
                 </a:tc>
                 <a:tc>
@@ -6801,9 +6925,7 @@
                     </a:p>
                   </a:txBody>
                   <a:tcPr marL="85725" marR="85725" marT="42863" marB="42863">
-                    <a:solidFill>
-                      <a:srgbClr val="FF0000"/>
-                    </a:solidFill>
+                    <a:noFill/>
                   </a:tcPr>
                 </a:tc>
                 <a:tc>
@@ -6821,9 +6943,7 @@
                     </a:p>
                   </a:txBody>
                   <a:tcPr marL="85725" marR="85725" marT="42863" marB="42863">
-                    <a:solidFill>
-                      <a:srgbClr val="FF0000"/>
-                    </a:solidFill>
+                    <a:noFill/>
                   </a:tcPr>
                 </a:tc>
               </a:tr>
@@ -7128,7 +7248,7 @@
           </a:prstGeom>
           <a:ln w="38100">
             <a:solidFill>
-              <a:srgbClr val="C00000"/>
+              <a:schemeClr val="tx1"/>
             </a:solidFill>
             <a:tailEnd type="triangle"/>
           </a:ln>
